--- a/architecture/Vorlage_Praesentation_2022 _2_2_OOD.pptx
+++ b/architecture/Vorlage_Praesentation_2022 _2_2_OOD.pptx
@@ -9,21 +9,19 @@
     <p:sldId id="257" r:id="rId3"/>
     <p:sldId id="258" r:id="rId4"/>
     <p:sldId id="259" r:id="rId5"/>
-    <p:sldId id="260" r:id="rId6"/>
-    <p:sldId id="269" r:id="rId7"/>
-    <p:sldId id="270" r:id="rId8"/>
-    <p:sldId id="271" r:id="rId9"/>
-    <p:sldId id="272" r:id="rId10"/>
-    <p:sldId id="273" r:id="rId11"/>
-    <p:sldId id="274" r:id="rId12"/>
-    <p:sldId id="263" r:id="rId13"/>
-    <p:sldId id="264" r:id="rId14"/>
-    <p:sldId id="261" r:id="rId15"/>
-    <p:sldId id="262" r:id="rId16"/>
-    <p:sldId id="265" r:id="rId17"/>
-    <p:sldId id="266" r:id="rId18"/>
-    <p:sldId id="267" r:id="rId19"/>
-    <p:sldId id="268" r:id="rId20"/>
+    <p:sldId id="269" r:id="rId6"/>
+    <p:sldId id="270" r:id="rId7"/>
+    <p:sldId id="271" r:id="rId8"/>
+    <p:sldId id="272" r:id="rId9"/>
+    <p:sldId id="273" r:id="rId10"/>
+    <p:sldId id="274" r:id="rId11"/>
+    <p:sldId id="263" r:id="rId12"/>
+    <p:sldId id="264" r:id="rId13"/>
+    <p:sldId id="275" r:id="rId14"/>
+    <p:sldId id="262" r:id="rId15"/>
+    <p:sldId id="265" r:id="rId16"/>
+    <p:sldId id="266" r:id="rId17"/>
+    <p:sldId id="267" r:id="rId18"/>
   </p:sldIdLst>
   <p:sldSz cx="10160000" cy="5715000"/>
   <p:notesSz cx="10160000" cy="5715000"/>
@@ -291,7 +289,7 @@
             </a:pPr>
             <a:fld id="{911D8C60-1F2D-4436-BF53-22882F494404}" type="datetimeFigureOut">
               <a:rPr lang="de-DE"/>
-              <a:t>09.01.2023</a:t>
+              <a:t>11.01.2023</a:t>
             </a:fld>
             <a:endParaRPr lang="de-DE"/>
           </a:p>
@@ -1382,8 +1380,8 @@
           <a:lstStyle/>
           <a:p>
             <a:pPr marL="0" indent="0">
+              <a:buFont typeface="+mj-lt"/>
               <a:buNone/>
-              <a:defRPr/>
             </a:pPr>
             <a:r>
               <a:rPr lang="de-DE" b="1" dirty="0">
@@ -1391,11 +1389,19 @@
                   <a:srgbClr val="00B050"/>
                 </a:solidFill>
               </a:rPr>
-              <a:t>User Story 1</a:t>
+              <a:t>User Story 2</a:t>
             </a:r>
             <a:r>
               <a:rPr lang="de-DE" b="1" dirty="0"/>
-              <a:t>: Als Kunde möchte ich im Banksystem mein Depotkonto einloggen können, um die Posten im Konto zu checken.</a:t>
+              <a:t>: </a:t>
+            </a:r>
+            <a:r>
+              <a:rPr lang="de-DE" sz="2000" b="1" dirty="0">
+                <a:solidFill>
+                  <a:schemeClr val="tx1"/>
+                </a:solidFill>
+              </a:rPr>
+              <a:t>Als Kunde möchte ich die Liste der Posten in meinem Depot ansehen können, um die gesamte Werte meiner Aktien zu überwachen.</a:t>
             </a:r>
           </a:p>
           <a:p>
@@ -1425,7 +1431,7 @@
             </a:pPr>
             <a:r>
               <a:rPr lang="de-DE" dirty="0"/>
-              <a:t>Der Kunde muss seines Password eingeben.</a:t>
+              <a:t>Der Kunde muss eingeloggt sein.</a:t>
             </a:r>
           </a:p>
           <a:p>
@@ -1434,7 +1440,16 @@
             </a:pPr>
             <a:r>
               <a:rPr lang="de-DE" dirty="0"/>
-              <a:t>Wenn das Password mit dem Datenbank übereinstimmt, wird der Kunde eingeloggt sein.</a:t>
+              <a:t>Der Kunde bekommt die Liste der Posten angezeigt.</a:t>
+            </a:r>
+          </a:p>
+          <a:p>
+            <a:pPr>
+              <a:defRPr/>
+            </a:pPr>
+            <a:r>
+              <a:rPr lang="de-DE" dirty="0"/>
+              <a:t>Der Kunde bekommt die gesamte Werte des Depots angezeigt.</a:t>
             </a:r>
           </a:p>
         </p:txBody>
@@ -1468,7 +1483,7 @@
     </p:spTree>
     <p:extLst>
       <p:ext uri="{BB962C8B-B14F-4D97-AF65-F5344CB8AC3E}">
-        <p14:creationId xmlns:p14="http://schemas.microsoft.com/office/powerpoint/2010/main" val="1341129726"/>
+        <p14:creationId xmlns:p14="http://schemas.microsoft.com/office/powerpoint/2010/main" val="2884581411"/>
       </p:ext>
     </p:extLst>
   </p:cSld>
@@ -1507,86 +1522,23 @@
         </p:nvSpPr>
         <p:spPr bwMode="auto">
           <a:xfrm>
-            <a:off x="532697" y="1417340"/>
-            <a:ext cx="8507743" cy="3600400"/>
-          </a:xfrm>
-        </p:spPr>
-        <p:txBody>
-          <a:bodyPr anchor="t"/>
-          <a:lstStyle/>
-          <a:p>
-            <a:pPr marL="0" indent="0">
-              <a:buFont typeface="+mj-lt"/>
+            <a:off x="532697" y="1426104"/>
+            <a:ext cx="2747103" cy="3591636"/>
+          </a:xfrm>
+        </p:spPr>
+        <p:txBody>
+          <a:bodyPr anchor="ctr"/>
+          <a:lstStyle/>
+          <a:p>
+            <a:pPr marL="0" indent="0" algn="ctr">
               <a:buNone/>
-            </a:pPr>
-            <a:r>
-              <a:rPr lang="de-DE" b="1" dirty="0">
-                <a:solidFill>
-                  <a:srgbClr val="00B050"/>
-                </a:solidFill>
-              </a:rPr>
-              <a:t>User Story 2</a:t>
-            </a:r>
-            <a:r>
-              <a:rPr lang="de-DE" b="1" dirty="0"/>
-              <a:t>: </a:t>
-            </a:r>
-            <a:r>
-              <a:rPr lang="de-DE" sz="2000" b="1" dirty="0">
-                <a:solidFill>
-                  <a:schemeClr val="tx1"/>
-                </a:solidFill>
-              </a:rPr>
-              <a:t>Als Kunde möchte ich die Liste der Posten in meinem Depot ansehen können, um die gesamte Werte meiner Aktien zu überwachen.</a:t>
-            </a:r>
-          </a:p>
-          <a:p>
-            <a:pPr marL="0" indent="0">
-              <a:buNone/>
-              <a:defRPr/>
-            </a:pPr>
-            <a:endParaRPr lang="de-DE" b="1" dirty="0"/>
-          </a:p>
-          <a:p>
-            <a:pPr marL="0" indent="0">
-              <a:buNone/>
-              <a:defRPr/>
-            </a:pPr>
-            <a:r>
-              <a:rPr lang="de-DE" u="sng" dirty="0"/>
-              <a:t>Akzeptanzkriterium</a:t>
-            </a:r>
+              <a:defRPr/>
+            </a:pPr>
             <a:r>
               <a:rPr lang="de-DE" dirty="0"/>
-              <a:t>: </a:t>
-            </a:r>
-          </a:p>
-          <a:p>
-            <a:pPr>
-              <a:defRPr/>
-            </a:pPr>
-            <a:r>
-              <a:rPr lang="de-DE" dirty="0"/>
-              <a:t>Der Kunde muss eingeloggt sein.</a:t>
-            </a:r>
-          </a:p>
-          <a:p>
-            <a:pPr>
-              <a:defRPr/>
-            </a:pPr>
-            <a:r>
-              <a:rPr lang="de-DE" dirty="0"/>
-              <a:t>Der Kunde bekommt die Liste der Posten angezeigt.</a:t>
-            </a:r>
-          </a:p>
-          <a:p>
-            <a:pPr>
-              <a:defRPr/>
-            </a:pPr>
-            <a:r>
-              <a:rPr lang="de-DE" dirty="0"/>
-              <a:t>Der Kunde bekommt die gesamte Werte des Depots angezeigt.</a:t>
-            </a:r>
+              <a:t>MVC + Storage</a:t>
+            </a:r>
+            <a:endParaRPr dirty="0"/>
           </a:p>
         </p:txBody>
       </p:sp>
@@ -1610,18 +1562,49 @@
             </a:pPr>
             <a:r>
               <a:rPr lang="de-DE"/>
-              <a:t>Epics und User-Stories</a:t>
+              <a:t>Grobarchitektur: Architekturstil</a:t>
             </a:r>
             <a:endParaRPr/>
           </a:p>
         </p:txBody>
       </p:sp>
+      <p:pic>
+        <p:nvPicPr>
+          <p:cNvPr id="3" name="Picture 2">
+            <a:extLst>
+              <a:ext uri="{FF2B5EF4-FFF2-40B4-BE49-F238E27FC236}">
+                <a16:creationId xmlns:a16="http://schemas.microsoft.com/office/drawing/2014/main" id="{A2277A1D-FE6E-61AC-FCE4-32E1BE5224FE}"/>
+              </a:ext>
+            </a:extLst>
+          </p:cNvPr>
+          <p:cNvPicPr>
+            <a:picLocks noChangeAspect="1"/>
+          </p:cNvPicPr>
+          <p:nvPr/>
+        </p:nvPicPr>
+        <p:blipFill>
+          <a:blip r:embed="rId2">
+            <a:extLst>
+              <a:ext uri="{28A0092B-C50C-407E-A947-70E740481C1C}">
+                <a14:useLocalDpi xmlns:a14="http://schemas.microsoft.com/office/drawing/2010/main" val="0"/>
+              </a:ext>
+            </a:extLst>
+          </a:blip>
+          <a:stretch>
+            <a:fillRect/>
+          </a:stretch>
+        </p:blipFill>
+        <p:spPr>
+          <a:xfrm>
+            <a:off x="3783856" y="1328644"/>
+            <a:ext cx="5615533" cy="3786555"/>
+          </a:xfrm>
+          <a:prstGeom prst="rect">
+            <a:avLst/>
+          </a:prstGeom>
+        </p:spPr>
+      </p:pic>
     </p:spTree>
-    <p:extLst>
-      <p:ext uri="{BB962C8B-B14F-4D97-AF65-F5344CB8AC3E}">
-        <p14:creationId xmlns:p14="http://schemas.microsoft.com/office/powerpoint/2010/main" val="2884581411"/>
-      </p:ext>
-    </p:extLst>
   </p:cSld>
   <p:clrMapOvr>
     <a:masterClrMapping/>
@@ -1648,7 +1631,33 @@
       </p:grpSpPr>
       <p:sp>
         <p:nvSpPr>
-          <p:cNvPr id="5" name="Inhaltsplatzhalter 4"/>
+          <p:cNvPr id="3" name="Titel 2"/>
+          <p:cNvSpPr>
+            <a:spLocks noGrp="1"/>
+          </p:cNvSpPr>
+          <p:nvPr>
+            <p:ph type="title"/>
+          </p:nvPr>
+        </p:nvSpPr>
+        <p:spPr bwMode="auto"/>
+        <p:txBody>
+          <a:bodyPr/>
+          <a:lstStyle/>
+          <a:p>
+            <a:pPr>
+              <a:defRPr/>
+            </a:pPr>
+            <a:r>
+              <a:rPr lang="de-DE"/>
+              <a:t>Grobarchitektur: Codeabbildung</a:t>
+            </a:r>
+            <a:endParaRPr/>
+          </a:p>
+        </p:txBody>
+      </p:sp>
+      <p:sp>
+        <p:nvSpPr>
+          <p:cNvPr id="4" name="Inhaltsplatzhalter 4"/>
           <p:cNvSpPr>
             <a:spLocks noGrp="1"/>
           </p:cNvSpPr>
@@ -1656,7 +1665,12 @@
             <p:ph idx="1"/>
           </p:nvPr>
         </p:nvSpPr>
-        <p:spPr bwMode="auto"/>
+        <p:spPr bwMode="auto">
+          <a:xfrm>
+            <a:off x="532697" y="1426104"/>
+            <a:ext cx="8803570" cy="3591636"/>
+          </a:xfrm>
+        </p:spPr>
         <p:txBody>
           <a:bodyPr anchor="ctr"/>
           <a:lstStyle/>
@@ -1665,58 +1679,46 @@
               <a:buNone/>
               <a:defRPr/>
             </a:pPr>
-            <a:r>
-              <a:rPr lang="de-DE">
-                <a:solidFill>
-                  <a:srgbClr val="FF0000"/>
-                </a:solidFill>
-              </a:rPr>
-              <a:t>Fügen Sie bitte Ihre Grobarchitektur ein. Hierzu kann wiederum UML verwendet werden. Beispiele für Grobarchitekturen aus der Vorlesung waren 3-Schichten Architektur oder Model View Controler. Sie können aber auch eine andere Grobarchitektur verwenden.</a:t>
-            </a:r>
-          </a:p>
-          <a:p>
-            <a:pPr marL="0" indent="0" algn="ctr">
-              <a:buNone/>
-              <a:defRPr/>
-            </a:pPr>
-            <a:r>
-              <a:rPr lang="de-DE">
-                <a:solidFill>
-                  <a:srgbClr val="FF0000"/>
-                </a:solidFill>
-              </a:rPr>
-              <a:t>Wichtig: Die Grobarchitektur beschreibt die Strukturierung der gesamten Anwendung in Unterbereiche und wie diese interagieren, ohne die fachliche Interaktion zu beschreiben.</a:t>
-            </a:r>
-            <a:endParaRPr/>
-          </a:p>
-        </p:txBody>
-      </p:sp>
-      <p:sp>
-        <p:nvSpPr>
-          <p:cNvPr id="4" name="Titel 3"/>
-          <p:cNvSpPr>
-            <a:spLocks noGrp="1"/>
-          </p:cNvSpPr>
-          <p:nvPr>
-            <p:ph type="title"/>
-          </p:nvPr>
-        </p:nvSpPr>
-        <p:spPr bwMode="auto"/>
-        <p:txBody>
-          <a:bodyPr/>
-          <a:lstStyle/>
-          <a:p>
-            <a:pPr>
-              <a:defRPr/>
-            </a:pPr>
-            <a:r>
-              <a:rPr lang="de-DE"/>
-              <a:t>Grobarchitektur: Architekturstil</a:t>
-            </a:r>
-            <a:endParaRPr/>
-          </a:p>
-        </p:txBody>
-      </p:sp>
+            <a:endParaRPr dirty="0"/>
+          </a:p>
+        </p:txBody>
+      </p:sp>
+      <p:pic>
+        <p:nvPicPr>
+          <p:cNvPr id="5" name="Picture 4">
+            <a:extLst>
+              <a:ext uri="{FF2B5EF4-FFF2-40B4-BE49-F238E27FC236}">
+                <a16:creationId xmlns:a16="http://schemas.microsoft.com/office/drawing/2014/main" id="{7B36D865-2209-3642-4CD3-F107D150D88F}"/>
+              </a:ext>
+            </a:extLst>
+          </p:cNvPr>
+          <p:cNvPicPr>
+            <a:picLocks noChangeAspect="1"/>
+          </p:cNvPicPr>
+          <p:nvPr/>
+        </p:nvPicPr>
+        <p:blipFill>
+          <a:blip r:embed="rId2">
+            <a:extLst>
+              <a:ext uri="{28A0092B-C50C-407E-A947-70E740481C1C}">
+                <a14:useLocalDpi xmlns:a14="http://schemas.microsoft.com/office/drawing/2010/main" val="0"/>
+              </a:ext>
+            </a:extLst>
+          </a:blip>
+          <a:stretch>
+            <a:fillRect/>
+          </a:stretch>
+        </p:blipFill>
+        <p:spPr>
+          <a:xfrm>
+            <a:off x="3495824" y="1440747"/>
+            <a:ext cx="2609850" cy="3562350"/>
+          </a:xfrm>
+          <a:prstGeom prst="rect">
+            <a:avLst/>
+          </a:prstGeom>
+        </p:spPr>
+      </p:pic>
     </p:spTree>
   </p:cSld>
   <p:clrMapOvr>
@@ -1742,9 +1744,183 @@
           <a:chExt cx="0" cy="0"/>
         </a:xfrm>
       </p:grpSpPr>
-      <p:sp>
-        <p:nvSpPr>
-          <p:cNvPr id="3" name="Titel 2"/>
+      <p:cxnSp>
+        <p:nvCxnSpPr>
+          <p:cNvPr id="37" name="Straight Connector 36">
+            <a:extLst>
+              <a:ext uri="{FF2B5EF4-FFF2-40B4-BE49-F238E27FC236}">
+                <a16:creationId xmlns:a16="http://schemas.microsoft.com/office/drawing/2014/main" id="{AC6F4460-F7B0-6381-5139-55E5F0D94F82}"/>
+              </a:ext>
+            </a:extLst>
+          </p:cNvPr>
+          <p:cNvCxnSpPr>
+            <a:cxnSpLocks/>
+          </p:cNvCxnSpPr>
+          <p:nvPr/>
+        </p:nvCxnSpPr>
+        <p:spPr bwMode="auto">
+          <a:xfrm>
+            <a:off x="4240363" y="4441676"/>
+            <a:ext cx="1611553" cy="0"/>
+          </a:xfrm>
+          <a:prstGeom prst="line">
+            <a:avLst/>
+          </a:prstGeom>
+          <a:ln w="12700">
+            <a:solidFill>
+              <a:schemeClr val="tx1"/>
+            </a:solidFill>
+          </a:ln>
+        </p:spPr>
+        <p:style>
+          <a:lnRef idx="1">
+            <a:schemeClr val="accent1"/>
+          </a:lnRef>
+          <a:fillRef idx="0">
+            <a:schemeClr val="accent1"/>
+          </a:fillRef>
+          <a:effectRef idx="0">
+            <a:schemeClr val="accent1"/>
+          </a:effectRef>
+          <a:fontRef idx="minor">
+            <a:schemeClr val="tx1"/>
+          </a:fontRef>
+        </p:style>
+      </p:cxnSp>
+      <p:cxnSp>
+        <p:nvCxnSpPr>
+          <p:cNvPr id="25" name="Straight Connector 24">
+            <a:extLst>
+              <a:ext uri="{FF2B5EF4-FFF2-40B4-BE49-F238E27FC236}">
+                <a16:creationId xmlns:a16="http://schemas.microsoft.com/office/drawing/2014/main" id="{4D79AD9C-F7EB-24E8-3243-4D6147FB6213}"/>
+              </a:ext>
+            </a:extLst>
+          </p:cNvPr>
+          <p:cNvCxnSpPr>
+            <a:cxnSpLocks/>
+          </p:cNvCxnSpPr>
+          <p:nvPr/>
+        </p:nvCxnSpPr>
+        <p:spPr>
+          <a:xfrm>
+            <a:off x="6520160" y="2301739"/>
+            <a:ext cx="1098967" cy="0"/>
+          </a:xfrm>
+          <a:prstGeom prst="line">
+            <a:avLst/>
+          </a:prstGeom>
+          <a:ln w="12700">
+            <a:solidFill>
+              <a:schemeClr val="tx1"/>
+            </a:solidFill>
+          </a:ln>
+        </p:spPr>
+        <p:style>
+          <a:lnRef idx="1">
+            <a:schemeClr val="accent1"/>
+          </a:lnRef>
+          <a:fillRef idx="0">
+            <a:schemeClr val="accent1"/>
+          </a:fillRef>
+          <a:effectRef idx="0">
+            <a:schemeClr val="accent1"/>
+          </a:effectRef>
+          <a:fontRef idx="minor">
+            <a:schemeClr val="tx1"/>
+          </a:fontRef>
+        </p:style>
+      </p:cxnSp>
+      <p:sp>
+        <p:nvSpPr>
+          <p:cNvPr id="5" name="Inhaltsplatzhalter 4"/>
+          <p:cNvSpPr>
+            <a:spLocks noGrp="1"/>
+          </p:cNvSpPr>
+          <p:nvPr>
+            <p:ph idx="1"/>
+          </p:nvPr>
+        </p:nvSpPr>
+        <p:spPr bwMode="auto">
+          <a:xfrm>
+            <a:off x="532698" y="1426104"/>
+            <a:ext cx="2171038" cy="3879668"/>
+          </a:xfrm>
+          <a:ln w="12700">
+            <a:solidFill>
+              <a:schemeClr val="tx1"/>
+            </a:solidFill>
+          </a:ln>
+        </p:spPr>
+        <p:txBody>
+          <a:bodyPr anchor="t"/>
+          <a:lstStyle/>
+          <a:p>
+            <a:pPr marL="0" indent="0">
+              <a:buNone/>
+              <a:defRPr/>
+            </a:pPr>
+            <a:r>
+              <a:rPr lang="de-DE" u="sng" dirty="0"/>
+              <a:t>PC/Terminal</a:t>
+            </a:r>
+          </a:p>
+          <a:p>
+            <a:pPr marL="0" indent="0">
+              <a:buNone/>
+              <a:defRPr/>
+            </a:pPr>
+            <a:endParaRPr lang="de-DE" dirty="0"/>
+          </a:p>
+          <a:p>
+            <a:pPr>
+              <a:buFontTx/>
+              <a:buChar char="-"/>
+              <a:defRPr/>
+            </a:pPr>
+            <a:r>
+              <a:rPr lang="de-DE" dirty="0"/>
+              <a:t>Bildschirm</a:t>
+            </a:r>
+          </a:p>
+          <a:p>
+            <a:pPr>
+              <a:buFontTx/>
+              <a:buChar char="-"/>
+              <a:defRPr/>
+            </a:pPr>
+            <a:r>
+              <a:rPr lang="de-DE" dirty="0"/>
+              <a:t>Tastatur</a:t>
+            </a:r>
+          </a:p>
+          <a:p>
+            <a:pPr>
+              <a:buFontTx/>
+              <a:buChar char="-"/>
+              <a:defRPr/>
+            </a:pPr>
+            <a:r>
+              <a:rPr lang="de-DE" dirty="0"/>
+              <a:t>Scanner</a:t>
+            </a:r>
+          </a:p>
+          <a:p>
+            <a:pPr>
+              <a:buFontTx/>
+              <a:buChar char="-"/>
+              <a:defRPr/>
+            </a:pPr>
+            <a:r>
+              <a:rPr lang="de-DE" dirty="0"/>
+              <a:t>Drücker</a:t>
+            </a:r>
+            <a:endParaRPr dirty="0"/>
+          </a:p>
+        </p:txBody>
+      </p:sp>
+      <p:sp>
+        <p:nvSpPr>
+          <p:cNvPr id="4" name="Titel 3"/>
           <p:cNvSpPr>
             <a:spLocks noGrp="1"/>
           </p:cNvSpPr>
@@ -1761,50 +1937,1156 @@
               <a:defRPr/>
             </a:pPr>
             <a:r>
-              <a:rPr lang="de-DE"/>
-              <a:t>Grobarchitektur: Codeabbildung</a:t>
-            </a:r>
-            <a:endParaRPr/>
-          </a:p>
-        </p:txBody>
-      </p:sp>
-      <p:sp>
-        <p:nvSpPr>
-          <p:cNvPr id="4" name="Inhaltsplatzhalter 4"/>
-          <p:cNvSpPr>
-            <a:spLocks noGrp="1"/>
-          </p:cNvSpPr>
-          <p:nvPr>
-            <p:ph idx="1"/>
-          </p:nvPr>
-        </p:nvSpPr>
+              <a:rPr lang="de-DE" dirty="0" err="1"/>
+              <a:t>Context</a:t>
+            </a:r>
+            <a:r>
+              <a:rPr lang="de-DE" dirty="0"/>
+              <a:t> View: Technischer Überblick</a:t>
+            </a:r>
+            <a:endParaRPr dirty="0"/>
+          </a:p>
+        </p:txBody>
+      </p:sp>
+      <p:pic>
+        <p:nvPicPr>
+          <p:cNvPr id="1026" name="Picture 2" descr="Diebold Nixdorf inks a deal with bank99 for ATM network management">
+            <a:extLst>
+              <a:ext uri="{FF2B5EF4-FFF2-40B4-BE49-F238E27FC236}">
+                <a16:creationId xmlns:a16="http://schemas.microsoft.com/office/drawing/2014/main" id="{5EBC4AD2-1E85-2A04-DD26-FBA4C87B9343}"/>
+              </a:ext>
+            </a:extLst>
+          </p:cNvPr>
+          <p:cNvPicPr>
+            <a:picLocks noChangeAspect="1" noChangeArrowheads="1"/>
+          </p:cNvPicPr>
+          <p:nvPr/>
+        </p:nvPicPr>
+        <p:blipFill>
+          <a:blip r:embed="rId2" cstate="print">
+            <a:extLst>
+              <a:ext uri="{BEBA8EAE-BF5A-486C-A8C5-ECC9F3942E4B}">
+                <a14:imgProps xmlns:a14="http://schemas.microsoft.com/office/drawing/2010/main">
+                  <a14:imgLayer r:embed="rId3">
+                    <a14:imgEffect>
+                      <a14:backgroundRemoval t="8086" b="92969" l="10000" r="90000">
+                        <a14:foregroundMark x1="26055" y1="15430" x2="54063" y2="14141"/>
+                        <a14:foregroundMark x1="54063" y1="14141" x2="32070" y2="12656"/>
+                        <a14:foregroundMark x1="32070" y1="12656" x2="57266" y2="14141"/>
+                        <a14:foregroundMark x1="57266" y1="14141" x2="37070" y2="23633"/>
+                        <a14:foregroundMark x1="37070" y1="23633" x2="54805" y2="37695"/>
+                        <a14:foregroundMark x1="54805" y1="37695" x2="45234" y2="57539"/>
+                        <a14:foregroundMark x1="45234" y1="57539" x2="65391" y2="51328"/>
+                        <a14:foregroundMark x1="65391" y1="51328" x2="52422" y2="75313"/>
+                        <a14:foregroundMark x1="52422" y1="75313" x2="73984" y2="64961"/>
+                        <a14:foregroundMark x1="73984" y1="64961" x2="66914" y2="13281"/>
+                        <a14:foregroundMark x1="66914" y1="13281" x2="73242" y2="33125"/>
+                        <a14:foregroundMark x1="73242" y1="33125" x2="79375" y2="35664"/>
+                        <a14:foregroundMark x1="54570" y1="12969" x2="57617" y2="30430"/>
+                        <a14:foregroundMark x1="63125" y1="24023" x2="56211" y2="46367"/>
+                        <a14:foregroundMark x1="56211" y1="46367" x2="56328" y2="13047"/>
+                        <a14:foregroundMark x1="56328" y1="13047" x2="38789" y2="31250"/>
+                        <a14:foregroundMark x1="38789" y1="31250" x2="37891" y2="92969"/>
+                        <a14:foregroundMark x1="37891" y1="92969" x2="48125" y2="87422"/>
+                        <a14:foregroundMark x1="70469" y1="72734" x2="67109" y2="62930"/>
+                        <a14:foregroundMark x1="59141" y1="11445" x2="75195" y2="27266"/>
+                        <a14:foregroundMark x1="75195" y1="27266" x2="62266" y2="8750"/>
+                        <a14:foregroundMark x1="62266" y1="8750" x2="77852" y2="32266"/>
+                        <a14:foregroundMark x1="72617" y1="23398" x2="58555" y2="8086"/>
+                        <a14:foregroundMark x1="64063" y1="9922" x2="62539" y2="8086"/>
+                        <a14:foregroundMark x1="79375" y1="23086" x2="83984" y2="44219"/>
+                        <a14:foregroundMark x1="83984" y1="44219" x2="77852" y2="56484"/>
+                        <a14:foregroundMark x1="54258" y1="11133" x2="62813" y2="8672"/>
+                        <a14:foregroundMark x1="60664" y1="9609" x2="32969" y2="9297"/>
+                        <a14:foregroundMark x1="32969" y1="9297" x2="24727" y2="34063"/>
+                        <a14:foregroundMark x1="24727" y1="34063" x2="26797" y2="60430"/>
+                        <a14:foregroundMark x1="26797" y1="60430" x2="42695" y2="79102"/>
+                        <a14:foregroundMark x1="42695" y1="79102" x2="45664" y2="77031"/>
+                        <a14:backgroundMark x1="1836" y1="4688" x2="60820" y2="3438"/>
+                        <a14:backgroundMark x1="60820" y1="3438" x2="84414" y2="3672"/>
+                        <a14:backgroundMark x1="84414" y1="3672" x2="94883" y2="29844"/>
+                        <a14:backgroundMark x1="94883" y1="29844" x2="88320" y2="89531"/>
+                        <a14:backgroundMark x1="88320" y1="89531" x2="43203" y2="98164"/>
+                        <a14:backgroundMark x1="43203" y1="98164" x2="17969" y2="89336"/>
+                        <a14:backgroundMark x1="17969" y1="89336" x2="6758" y2="7148"/>
+                      </a14:backgroundRemoval>
+                    </a14:imgEffect>
+                  </a14:imgLayer>
+                </a14:imgProps>
+              </a:ext>
+              <a:ext uri="{28A0092B-C50C-407E-A947-70E740481C1C}">
+                <a14:useLocalDpi xmlns:a14="http://schemas.microsoft.com/office/drawing/2010/main" val="0"/>
+              </a:ext>
+            </a:extLst>
+          </a:blip>
+          <a:srcRect/>
+          <a:stretch>
+            <a:fillRect/>
+          </a:stretch>
+        </p:blipFill>
         <p:spPr bwMode="auto">
           <a:xfrm>
-            <a:off x="532697" y="1426104"/>
-            <a:ext cx="8803570" cy="3591636"/>
-          </a:xfrm>
-        </p:spPr>
-        <p:txBody>
-          <a:bodyPr anchor="ctr"/>
-          <a:lstStyle/>
-          <a:p>
-            <a:pPr marL="0" indent="0" algn="ctr">
-              <a:buNone/>
-              <a:defRPr/>
-            </a:pPr>
-            <a:r>
-              <a:rPr lang="de-DE">
+            <a:off x="573603" y="3244282"/>
+            <a:ext cx="2089228" cy="2089228"/>
+          </a:xfrm>
+          <a:prstGeom prst="rect">
+            <a:avLst/>
+          </a:prstGeom>
+          <a:noFill/>
+          <a:extLst>
+            <a:ext uri="{909E8E84-426E-40DD-AFC4-6F175D3DCCD1}">
+              <a14:hiddenFill xmlns:a14="http://schemas.microsoft.com/office/drawing/2010/main">
                 <a:solidFill>
-                  <a:srgbClr val="FF0000"/>
+                  <a:srgbClr val="FFFFFF"/>
                 </a:solidFill>
-              </a:rPr>
-              <a:t>Zeigen sie hier wie die Bereiche aus der Gorbarchitektur auf Code abgebildet werden. Siehe hierzu auch die Vorlesung. Ein Beispiel für eine Abbildung auf Code wäre die Abbildung auf die Paketstruktur. Aber auch andere Abbildungen sind möglich. Sie müssen nur eindeutig sein.</a:t>
-            </a:r>
-            <a:endParaRPr/>
+              </a14:hiddenFill>
+            </a:ext>
+          </a:extLst>
+        </p:spPr>
+      </p:pic>
+      <p:sp>
+        <p:nvSpPr>
+          <p:cNvPr id="6" name="Rectangle 5">
+            <a:extLst>
+              <a:ext uri="{FF2B5EF4-FFF2-40B4-BE49-F238E27FC236}">
+                <a16:creationId xmlns:a16="http://schemas.microsoft.com/office/drawing/2014/main" id="{649C7FAD-26A2-12E1-CFA7-4C36FD15325E}"/>
+              </a:ext>
+            </a:extLst>
+          </p:cNvPr>
+          <p:cNvSpPr/>
+          <p:nvPr/>
+        </p:nvSpPr>
+        <p:spPr>
+          <a:xfrm>
+            <a:off x="3063776" y="1426104"/>
+            <a:ext cx="5832648" cy="1647420"/>
+          </a:xfrm>
+          <a:prstGeom prst="rect">
+            <a:avLst/>
+          </a:prstGeom>
+          <a:noFill/>
+          <a:ln>
+            <a:solidFill>
+              <a:schemeClr val="tx1"/>
+            </a:solidFill>
+          </a:ln>
+        </p:spPr>
+        <p:style>
+          <a:lnRef idx="2">
+            <a:schemeClr val="accent1">
+              <a:shade val="50000"/>
+            </a:schemeClr>
+          </a:lnRef>
+          <a:fillRef idx="1">
+            <a:schemeClr val="accent1"/>
+          </a:fillRef>
+          <a:effectRef idx="0">
+            <a:schemeClr val="accent1"/>
+          </a:effectRef>
+          <a:fontRef idx="minor">
+            <a:schemeClr val="lt1"/>
+          </a:fontRef>
+        </p:style>
+        <p:txBody>
+          <a:bodyPr rtlCol="0" anchor="ctr"/>
+          <a:lstStyle/>
+          <a:p>
+            <a:pPr algn="ctr"/>
+            <a:endParaRPr lang="en-ID"/>
+          </a:p>
+        </p:txBody>
+      </p:sp>
+      <p:sp>
+        <p:nvSpPr>
+          <p:cNvPr id="7" name="TextBox 6">
+            <a:extLst>
+              <a:ext uri="{FF2B5EF4-FFF2-40B4-BE49-F238E27FC236}">
+                <a16:creationId xmlns:a16="http://schemas.microsoft.com/office/drawing/2014/main" id="{2F741801-CBC6-47EE-D4AC-91FA681A3A5C}"/>
+              </a:ext>
+            </a:extLst>
+          </p:cNvPr>
+          <p:cNvSpPr txBox="1"/>
+          <p:nvPr/>
+        </p:nvSpPr>
+        <p:spPr>
+          <a:xfrm>
+            <a:off x="3034538" y="1396019"/>
+            <a:ext cx="1107996" cy="369332"/>
+          </a:xfrm>
+          <a:prstGeom prst="rect">
+            <a:avLst/>
+          </a:prstGeom>
+          <a:noFill/>
+        </p:spPr>
+        <p:txBody>
+          <a:bodyPr wrap="none" rtlCol="0">
+            <a:spAutoFit/>
+          </a:bodyPr>
+          <a:lstStyle/>
+          <a:p>
+            <a:r>
+              <a:rPr lang="de-DE" u="sng" dirty="0" err="1"/>
+              <a:t>Bankfilial</a:t>
+            </a:r>
+            <a:endParaRPr lang="en-ID" u="sng" dirty="0"/>
+          </a:p>
+        </p:txBody>
+      </p:sp>
+      <p:sp>
+        <p:nvSpPr>
+          <p:cNvPr id="8" name="TextBox 7">
+            <a:extLst>
+              <a:ext uri="{FF2B5EF4-FFF2-40B4-BE49-F238E27FC236}">
+                <a16:creationId xmlns:a16="http://schemas.microsoft.com/office/drawing/2014/main" id="{EBE43F55-5A22-687D-8EE3-C83761198C5D}"/>
+              </a:ext>
+            </a:extLst>
+          </p:cNvPr>
+          <p:cNvSpPr txBox="1"/>
+          <p:nvPr/>
+        </p:nvSpPr>
+        <p:spPr>
+          <a:xfrm>
+            <a:off x="3279800" y="1860422"/>
+            <a:ext cx="1296144" cy="954107"/>
+          </a:xfrm>
+          <a:prstGeom prst="rect">
+            <a:avLst/>
+          </a:prstGeom>
+          <a:noFill/>
+          <a:ln w="12700">
+            <a:solidFill>
+              <a:schemeClr val="tx1"/>
+            </a:solidFill>
+          </a:ln>
+        </p:spPr>
+        <p:txBody>
+          <a:bodyPr wrap="square" rtlCol="0">
+            <a:spAutoFit/>
+          </a:bodyPr>
+          <a:lstStyle/>
+          <a:p>
+            <a:r>
+              <a:rPr lang="de-DE" sz="1400" dirty="0"/>
+              <a:t>PC/Terminal</a:t>
+            </a:r>
+          </a:p>
+          <a:p>
+            <a:r>
+              <a:rPr lang="de-DE" sz="1400" dirty="0"/>
+              <a:t>PC/Terminal</a:t>
+            </a:r>
+          </a:p>
+          <a:p>
+            <a:r>
+              <a:rPr lang="de-DE" sz="1400" dirty="0"/>
+              <a:t>PC/Terminal</a:t>
+            </a:r>
+          </a:p>
+          <a:p>
+            <a:r>
+              <a:rPr lang="de-DE" sz="1400" dirty="0"/>
+              <a:t>…</a:t>
+            </a:r>
+            <a:endParaRPr lang="en-ID" sz="1400" dirty="0"/>
+          </a:p>
+        </p:txBody>
+      </p:sp>
+      <p:cxnSp>
+        <p:nvCxnSpPr>
+          <p:cNvPr id="10" name="Straight Connector 9">
+            <a:extLst>
+              <a:ext uri="{FF2B5EF4-FFF2-40B4-BE49-F238E27FC236}">
+                <a16:creationId xmlns:a16="http://schemas.microsoft.com/office/drawing/2014/main" id="{7A2E9BE7-6984-3E80-E190-E31B77CB4732}"/>
+              </a:ext>
+            </a:extLst>
+          </p:cNvPr>
+          <p:cNvCxnSpPr>
+            <a:cxnSpLocks/>
+          </p:cNvCxnSpPr>
+          <p:nvPr/>
+        </p:nvCxnSpPr>
+        <p:spPr>
+          <a:xfrm>
+            <a:off x="2703736" y="1426104"/>
+            <a:ext cx="648072" cy="529474"/>
+          </a:xfrm>
+          <a:prstGeom prst="line">
+            <a:avLst/>
+          </a:prstGeom>
+          <a:ln w="12700">
+            <a:solidFill>
+              <a:schemeClr val="tx1"/>
+            </a:solidFill>
+          </a:ln>
+        </p:spPr>
+        <p:style>
+          <a:lnRef idx="1">
+            <a:schemeClr val="accent1"/>
+          </a:lnRef>
+          <a:fillRef idx="0">
+            <a:schemeClr val="accent1"/>
+          </a:fillRef>
+          <a:effectRef idx="0">
+            <a:schemeClr val="accent1"/>
+          </a:effectRef>
+          <a:fontRef idx="minor">
+            <a:schemeClr val="tx1"/>
+          </a:fontRef>
+        </p:style>
+      </p:cxnSp>
+      <p:cxnSp>
+        <p:nvCxnSpPr>
+          <p:cNvPr id="15" name="Straight Connector 14">
+            <a:extLst>
+              <a:ext uri="{FF2B5EF4-FFF2-40B4-BE49-F238E27FC236}">
+                <a16:creationId xmlns:a16="http://schemas.microsoft.com/office/drawing/2014/main" id="{1B243CEE-A3BB-A79D-5800-7FB5D2F33AB2}"/>
+              </a:ext>
+            </a:extLst>
+          </p:cNvPr>
+          <p:cNvCxnSpPr>
+            <a:cxnSpLocks/>
+          </p:cNvCxnSpPr>
+          <p:nvPr/>
+        </p:nvCxnSpPr>
+        <p:spPr>
+          <a:xfrm flipV="1">
+            <a:off x="2703736" y="2068302"/>
+            <a:ext cx="648072" cy="3237470"/>
+          </a:xfrm>
+          <a:prstGeom prst="line">
+            <a:avLst/>
+          </a:prstGeom>
+          <a:ln w="12700">
+            <a:solidFill>
+              <a:schemeClr val="tx1"/>
+            </a:solidFill>
+          </a:ln>
+        </p:spPr>
+        <p:style>
+          <a:lnRef idx="1">
+            <a:schemeClr val="accent1"/>
+          </a:lnRef>
+          <a:fillRef idx="0">
+            <a:schemeClr val="accent1"/>
+          </a:fillRef>
+          <a:effectRef idx="0">
+            <a:schemeClr val="accent1"/>
+          </a:effectRef>
+          <a:fontRef idx="minor">
+            <a:schemeClr val="tx1"/>
+          </a:fontRef>
+        </p:style>
+      </p:cxnSp>
+      <p:pic>
+        <p:nvPicPr>
+          <p:cNvPr id="1028" name="Picture 4" descr="Server &amp; Workstations günstig kaufen ++ Cyberport">
+            <a:extLst>
+              <a:ext uri="{FF2B5EF4-FFF2-40B4-BE49-F238E27FC236}">
+                <a16:creationId xmlns:a16="http://schemas.microsoft.com/office/drawing/2014/main" id="{B57B14C5-0778-66F1-406C-DB4DE8498DC5}"/>
+              </a:ext>
+            </a:extLst>
+          </p:cNvPr>
+          <p:cNvPicPr>
+            <a:picLocks noChangeAspect="1" noChangeArrowheads="1"/>
+          </p:cNvPicPr>
+          <p:nvPr/>
+        </p:nvPicPr>
+        <p:blipFill>
+          <a:blip r:embed="rId4">
+            <a:extLst>
+              <a:ext uri="{BEBA8EAE-BF5A-486C-A8C5-ECC9F3942E4B}">
+                <a14:imgProps xmlns:a14="http://schemas.microsoft.com/office/drawing/2010/main">
+                  <a14:imgLayer r:embed="rId5">
+                    <a14:imgEffect>
+                      <a14:backgroundRemoval t="10000" b="90000" l="10000" r="90000"/>
+                    </a14:imgEffect>
+                  </a14:imgLayer>
+                </a14:imgProps>
+              </a:ext>
+              <a:ext uri="{28A0092B-C50C-407E-A947-70E740481C1C}">
+                <a14:useLocalDpi xmlns:a14="http://schemas.microsoft.com/office/drawing/2010/main" val="0"/>
+              </a:ext>
+            </a:extLst>
+          </a:blip>
+          <a:srcRect/>
+          <a:stretch>
+            <a:fillRect/>
+          </a:stretch>
+        </p:blipFill>
+        <p:spPr bwMode="auto">
+          <a:xfrm>
+            <a:off x="5116589" y="1276120"/>
+            <a:ext cx="2055948" cy="2122710"/>
+          </a:xfrm>
+          <a:prstGeom prst="rect">
+            <a:avLst/>
+          </a:prstGeom>
+          <a:noFill/>
+          <a:extLst>
+            <a:ext uri="{909E8E84-426E-40DD-AFC4-6F175D3DCCD1}">
+              <a14:hiddenFill xmlns:a14="http://schemas.microsoft.com/office/drawing/2010/main">
+                <a:solidFill>
+                  <a:srgbClr val="FFFFFF"/>
+                </a:solidFill>
+              </a14:hiddenFill>
+            </a:ext>
+          </a:extLst>
+        </p:spPr>
+      </p:pic>
+      <p:cxnSp>
+        <p:nvCxnSpPr>
+          <p:cNvPr id="20" name="Straight Arrow Connector 19">
+            <a:extLst>
+              <a:ext uri="{FF2B5EF4-FFF2-40B4-BE49-F238E27FC236}">
+                <a16:creationId xmlns:a16="http://schemas.microsoft.com/office/drawing/2014/main" id="{1E52EB1C-D564-44F5-93DD-1A02ED115142}"/>
+              </a:ext>
+            </a:extLst>
+          </p:cNvPr>
+          <p:cNvCxnSpPr>
+            <a:cxnSpLocks/>
+          </p:cNvCxnSpPr>
+          <p:nvPr/>
+        </p:nvCxnSpPr>
+        <p:spPr>
+          <a:xfrm>
+            <a:off x="4663583" y="2325645"/>
+            <a:ext cx="1064489" cy="0"/>
+          </a:xfrm>
+          <a:prstGeom prst="straightConnector1">
+            <a:avLst/>
+          </a:prstGeom>
+          <a:ln>
+            <a:headEnd type="triangle"/>
+            <a:tailEnd type="triangle"/>
+          </a:ln>
+        </p:spPr>
+        <p:style>
+          <a:lnRef idx="1">
+            <a:schemeClr val="accent1"/>
+          </a:lnRef>
+          <a:fillRef idx="0">
+            <a:schemeClr val="accent1"/>
+          </a:fillRef>
+          <a:effectRef idx="0">
+            <a:schemeClr val="accent1"/>
+          </a:effectRef>
+          <a:fontRef idx="minor">
+            <a:schemeClr val="tx1"/>
+          </a:fontRef>
+        </p:style>
+      </p:cxnSp>
+      <p:sp>
+        <p:nvSpPr>
+          <p:cNvPr id="22" name="TextBox 21">
+            <a:extLst>
+              <a:ext uri="{FF2B5EF4-FFF2-40B4-BE49-F238E27FC236}">
+                <a16:creationId xmlns:a16="http://schemas.microsoft.com/office/drawing/2014/main" id="{F73F6160-8F6A-66B8-CBA1-07A2ADF71CAE}"/>
+              </a:ext>
+            </a:extLst>
+          </p:cNvPr>
+          <p:cNvSpPr txBox="1"/>
+          <p:nvPr/>
+        </p:nvSpPr>
+        <p:spPr>
+          <a:xfrm>
+            <a:off x="4928766" y="2021647"/>
+            <a:ext cx="534121" cy="307777"/>
+          </a:xfrm>
+          <a:prstGeom prst="rect">
+            <a:avLst/>
+          </a:prstGeom>
+          <a:noFill/>
+        </p:spPr>
+        <p:txBody>
+          <a:bodyPr wrap="none" rtlCol="0">
+            <a:spAutoFit/>
+          </a:bodyPr>
+          <a:lstStyle/>
+          <a:p>
+            <a:r>
+              <a:rPr lang="de-DE" sz="1400" dirty="0"/>
+              <a:t>LAN</a:t>
+            </a:r>
+            <a:endParaRPr lang="en-ID" dirty="0"/>
+          </a:p>
+        </p:txBody>
+      </p:sp>
+      <p:sp>
+        <p:nvSpPr>
+          <p:cNvPr id="23" name="TextBox 22">
+            <a:extLst>
+              <a:ext uri="{FF2B5EF4-FFF2-40B4-BE49-F238E27FC236}">
+                <a16:creationId xmlns:a16="http://schemas.microsoft.com/office/drawing/2014/main" id="{2B223400-CFFF-FE3C-A915-D1F48F16F6BE}"/>
+              </a:ext>
+            </a:extLst>
+          </p:cNvPr>
+          <p:cNvSpPr txBox="1"/>
+          <p:nvPr/>
+        </p:nvSpPr>
+        <p:spPr>
+          <a:xfrm>
+            <a:off x="5728072" y="1416560"/>
+            <a:ext cx="1045479" cy="276999"/>
+          </a:xfrm>
+          <a:prstGeom prst="rect">
+            <a:avLst/>
+          </a:prstGeom>
+          <a:noFill/>
+        </p:spPr>
+        <p:txBody>
+          <a:bodyPr wrap="none" rtlCol="0">
+            <a:spAutoFit/>
+          </a:bodyPr>
+          <a:lstStyle/>
+          <a:p>
+            <a:r>
+              <a:rPr lang="de-DE" sz="1200" dirty="0" err="1"/>
+              <a:t>Local</a:t>
+            </a:r>
+            <a:r>
+              <a:rPr lang="de-DE" sz="1200" dirty="0"/>
+              <a:t> Server</a:t>
+            </a:r>
+            <a:endParaRPr lang="en-ID" sz="1600" dirty="0"/>
+          </a:p>
+        </p:txBody>
+      </p:sp>
+      <p:pic>
+        <p:nvPicPr>
+          <p:cNvPr id="1030" name="Picture 6" descr="Dell Monitor, Mouse &amp; Keyboard Bundle | Shop | CIBC Rewards">
+            <a:extLst>
+              <a:ext uri="{FF2B5EF4-FFF2-40B4-BE49-F238E27FC236}">
+                <a16:creationId xmlns:a16="http://schemas.microsoft.com/office/drawing/2014/main" id="{C51EC52D-4123-5D87-68DE-58CA5F9FB685}"/>
+              </a:ext>
+            </a:extLst>
+          </p:cNvPr>
+          <p:cNvPicPr>
+            <a:picLocks noChangeAspect="1" noChangeArrowheads="1"/>
+          </p:cNvPicPr>
+          <p:nvPr/>
+        </p:nvPicPr>
+        <p:blipFill>
+          <a:blip r:embed="rId6" cstate="print">
+            <a:extLst>
+              <a:ext uri="{BEBA8EAE-BF5A-486C-A8C5-ECC9F3942E4B}">
+                <a14:imgProps xmlns:a14="http://schemas.microsoft.com/office/drawing/2010/main">
+                  <a14:imgLayer r:embed="rId7">
+                    <a14:imgEffect>
+                      <a14:backgroundRemoval t="10000" b="91400" l="10000" r="90000">
+                        <a14:foregroundMark x1="54400" y1="66000" x2="18200" y2="80000"/>
+                        <a14:foregroundMark x1="18200" y1="80000" x2="63600" y2="79800"/>
+                        <a14:foregroundMark x1="63600" y1="79800" x2="87200" y2="91400"/>
+                        <a14:foregroundMark x1="79400" y1="84600" x2="34000" y2="80600"/>
+                        <a14:foregroundMark x1="34000" y1="80600" x2="74600" y2="86600"/>
+                        <a14:foregroundMark x1="74600" y1="86600" x2="12600" y2="81800"/>
+                        <a14:foregroundMark x1="70200" y1="70400" x2="31800" y2="72400"/>
+                        <a14:foregroundMark x1="31800" y1="72400" x2="31800" y2="72800"/>
+                        <a14:foregroundMark x1="43800" y1="70400" x2="30800" y2="70000"/>
+                        <a14:foregroundMark x1="46600" y1="73400" x2="33600" y2="72800"/>
+                      </a14:backgroundRemoval>
+                    </a14:imgEffect>
+                  </a14:imgLayer>
+                </a14:imgProps>
+              </a:ext>
+              <a:ext uri="{28A0092B-C50C-407E-A947-70E740481C1C}">
+                <a14:useLocalDpi xmlns:a14="http://schemas.microsoft.com/office/drawing/2010/main" val="0"/>
+              </a:ext>
+            </a:extLst>
+          </a:blip>
+          <a:srcRect/>
+          <a:stretch>
+            <a:fillRect/>
+          </a:stretch>
+        </p:blipFill>
+        <p:spPr bwMode="auto">
+          <a:xfrm>
+            <a:off x="7362994" y="1679011"/>
+            <a:ext cx="1245457" cy="1245457"/>
+          </a:xfrm>
+          <a:prstGeom prst="rect">
+            <a:avLst/>
+          </a:prstGeom>
+          <a:noFill/>
+          <a:extLst>
+            <a:ext uri="{909E8E84-426E-40DD-AFC4-6F175D3DCCD1}">
+              <a14:hiddenFill xmlns:a14="http://schemas.microsoft.com/office/drawing/2010/main">
+                <a:solidFill>
+                  <a:srgbClr val="FFFFFF"/>
+                </a:solidFill>
+              </a14:hiddenFill>
+            </a:ext>
+          </a:extLst>
+        </p:spPr>
+      </p:pic>
+      <p:sp>
+        <p:nvSpPr>
+          <p:cNvPr id="29" name="TextBox 28">
+            <a:extLst>
+              <a:ext uri="{FF2B5EF4-FFF2-40B4-BE49-F238E27FC236}">
+                <a16:creationId xmlns:a16="http://schemas.microsoft.com/office/drawing/2014/main" id="{B747F6D6-A691-17BE-409A-0D8AC80B1CF1}"/>
+              </a:ext>
+            </a:extLst>
+          </p:cNvPr>
+          <p:cNvSpPr txBox="1"/>
+          <p:nvPr/>
+        </p:nvSpPr>
+        <p:spPr>
+          <a:xfrm>
+            <a:off x="7523896" y="1471507"/>
+            <a:ext cx="923651" cy="261610"/>
+          </a:xfrm>
+          <a:prstGeom prst="rect">
+            <a:avLst/>
+          </a:prstGeom>
+          <a:noFill/>
+        </p:spPr>
+        <p:txBody>
+          <a:bodyPr wrap="none" rtlCol="0">
+            <a:spAutoFit/>
+          </a:bodyPr>
+          <a:lstStyle/>
+          <a:p>
+            <a:r>
+              <a:rPr lang="de-DE" sz="1100" dirty="0" err="1"/>
+              <a:t>Local</a:t>
+            </a:r>
+            <a:r>
+              <a:rPr lang="de-DE" sz="1100" dirty="0"/>
+              <a:t> Client</a:t>
+            </a:r>
+            <a:endParaRPr lang="en-ID" sz="1100" dirty="0"/>
+          </a:p>
+        </p:txBody>
+      </p:sp>
+      <p:sp>
+        <p:nvSpPr>
+          <p:cNvPr id="30" name="Rectangle 29">
+            <a:extLst>
+              <a:ext uri="{FF2B5EF4-FFF2-40B4-BE49-F238E27FC236}">
+                <a16:creationId xmlns:a16="http://schemas.microsoft.com/office/drawing/2014/main" id="{EB8C1BE6-EBD5-7595-9BDF-0D8B51F392CE}"/>
+              </a:ext>
+            </a:extLst>
+          </p:cNvPr>
+          <p:cNvSpPr/>
+          <p:nvPr/>
+        </p:nvSpPr>
+        <p:spPr>
+          <a:xfrm>
+            <a:off x="3279800" y="3493090"/>
+            <a:ext cx="5616624" cy="1668665"/>
+          </a:xfrm>
+          <a:prstGeom prst="rect">
+            <a:avLst/>
+          </a:prstGeom>
+          <a:noFill/>
+          <a:ln w="28575">
+            <a:solidFill>
+              <a:schemeClr val="tx1"/>
+            </a:solidFill>
+          </a:ln>
+        </p:spPr>
+        <p:style>
+          <a:lnRef idx="2">
+            <a:schemeClr val="accent1">
+              <a:shade val="50000"/>
+            </a:schemeClr>
+          </a:lnRef>
+          <a:fillRef idx="1">
+            <a:schemeClr val="accent1"/>
+          </a:fillRef>
+          <a:effectRef idx="0">
+            <a:schemeClr val="accent1"/>
+          </a:effectRef>
+          <a:fontRef idx="minor">
+            <a:schemeClr val="lt1"/>
+          </a:fontRef>
+        </p:style>
+        <p:txBody>
+          <a:bodyPr rtlCol="0" anchor="ctr"/>
+          <a:lstStyle/>
+          <a:p>
+            <a:pPr algn="ctr"/>
+            <a:endParaRPr lang="en-ID"/>
+          </a:p>
+        </p:txBody>
+      </p:sp>
+      <p:sp>
+        <p:nvSpPr>
+          <p:cNvPr id="32" name="TextBox 31">
+            <a:extLst>
+              <a:ext uri="{FF2B5EF4-FFF2-40B4-BE49-F238E27FC236}">
+                <a16:creationId xmlns:a16="http://schemas.microsoft.com/office/drawing/2014/main" id="{70DF0050-FDB0-A168-FC1C-9D7D873FD3DF}"/>
+              </a:ext>
+            </a:extLst>
+          </p:cNvPr>
+          <p:cNvSpPr txBox="1"/>
+          <p:nvPr/>
+        </p:nvSpPr>
+        <p:spPr>
+          <a:xfrm>
+            <a:off x="3279800" y="3517760"/>
+            <a:ext cx="1119217" cy="338554"/>
+          </a:xfrm>
+          <a:prstGeom prst="rect">
+            <a:avLst/>
+          </a:prstGeom>
+          <a:noFill/>
+        </p:spPr>
+        <p:txBody>
+          <a:bodyPr wrap="none" rtlCol="0">
+            <a:spAutoFit/>
+          </a:bodyPr>
+          <a:lstStyle/>
+          <a:p>
+            <a:r>
+              <a:rPr lang="de-DE" sz="1600" u="sng" dirty="0"/>
+              <a:t>Enterprise</a:t>
+            </a:r>
+            <a:endParaRPr lang="en-ID" u="sng" dirty="0"/>
+          </a:p>
+        </p:txBody>
+      </p:sp>
+      <p:pic>
+        <p:nvPicPr>
+          <p:cNvPr id="1032" name="Picture 8" descr="Server – CT-T IT-Systemhaus">
+            <a:extLst>
+              <a:ext uri="{FF2B5EF4-FFF2-40B4-BE49-F238E27FC236}">
+                <a16:creationId xmlns:a16="http://schemas.microsoft.com/office/drawing/2014/main" id="{77471AD0-72BC-4264-A755-39DE7CB4FF6B}"/>
+              </a:ext>
+            </a:extLst>
+          </p:cNvPr>
+          <p:cNvPicPr>
+            <a:picLocks noChangeAspect="1" noChangeArrowheads="1"/>
+          </p:cNvPicPr>
+          <p:nvPr/>
+        </p:nvPicPr>
+        <p:blipFill>
+          <a:blip r:embed="rId8" cstate="print">
+            <a:extLst>
+              <a:ext uri="{BEBA8EAE-BF5A-486C-A8C5-ECC9F3942E4B}">
+                <a14:imgProps xmlns:a14="http://schemas.microsoft.com/office/drawing/2010/main">
+                  <a14:imgLayer r:embed="rId9">
+                    <a14:imgEffect>
+                      <a14:backgroundRemoval t="8025" b="90000" l="10000" r="90000">
+                        <a14:foregroundMark x1="62222" y1="82346" x2="69753" y2="75309"/>
+                        <a14:foregroundMark x1="63086" y1="16420" x2="47160" y2="11358"/>
+                        <a14:foregroundMark x1="41481" y1="10864" x2="55556" y2="8025"/>
+                        <a14:foregroundMark x1="56543" y1="85185" x2="62716" y2="86543"/>
+                        <a14:foregroundMark x1="41481" y1="87531" x2="72099" y2="89383"/>
+                      </a14:backgroundRemoval>
+                    </a14:imgEffect>
+                  </a14:imgLayer>
+                </a14:imgProps>
+              </a:ext>
+              <a:ext uri="{28A0092B-C50C-407E-A947-70E740481C1C}">
+                <a14:useLocalDpi xmlns:a14="http://schemas.microsoft.com/office/drawing/2010/main" val="0"/>
+              </a:ext>
+            </a:extLst>
+          </a:blip>
+          <a:srcRect/>
+          <a:stretch>
+            <a:fillRect/>
+          </a:stretch>
+        </p:blipFill>
+        <p:spPr bwMode="auto">
+          <a:xfrm>
+            <a:off x="4871531" y="3709624"/>
+            <a:ext cx="1458512" cy="1458512"/>
+          </a:xfrm>
+          <a:prstGeom prst="rect">
+            <a:avLst/>
+          </a:prstGeom>
+          <a:noFill/>
+          <a:extLst>
+            <a:ext uri="{909E8E84-426E-40DD-AFC4-6F175D3DCCD1}">
+              <a14:hiddenFill xmlns:a14="http://schemas.microsoft.com/office/drawing/2010/main">
+                <a:solidFill>
+                  <a:srgbClr val="FFFFFF"/>
+                </a:solidFill>
+              </a14:hiddenFill>
+            </a:ext>
+          </a:extLst>
+        </p:spPr>
+      </p:pic>
+      <p:sp>
+        <p:nvSpPr>
+          <p:cNvPr id="33" name="TextBox 32">
+            <a:extLst>
+              <a:ext uri="{FF2B5EF4-FFF2-40B4-BE49-F238E27FC236}">
+                <a16:creationId xmlns:a16="http://schemas.microsoft.com/office/drawing/2014/main" id="{0A2E1D5A-BF64-FA74-4A94-0BC12A1E556C}"/>
+              </a:ext>
+            </a:extLst>
+          </p:cNvPr>
+          <p:cNvSpPr txBox="1"/>
+          <p:nvPr/>
+        </p:nvSpPr>
+        <p:spPr>
+          <a:xfrm>
+            <a:off x="4918533" y="3541397"/>
+            <a:ext cx="1378904" cy="276999"/>
+          </a:xfrm>
+          <a:prstGeom prst="rect">
+            <a:avLst/>
+          </a:prstGeom>
+          <a:noFill/>
+        </p:spPr>
+        <p:txBody>
+          <a:bodyPr wrap="none" rtlCol="0">
+            <a:spAutoFit/>
+          </a:bodyPr>
+          <a:lstStyle/>
+          <a:p>
+            <a:r>
+              <a:rPr lang="de-DE" sz="1200" dirty="0"/>
+              <a:t>Enterprise Server</a:t>
+            </a:r>
+            <a:endParaRPr lang="en-ID" sz="1400" dirty="0"/>
+          </a:p>
+        </p:txBody>
+      </p:sp>
+      <p:pic>
+        <p:nvPicPr>
+          <p:cNvPr id="34" name="Picture 6" descr="Dell Monitor, Mouse &amp; Keyboard Bundle | Shop | CIBC Rewards">
+            <a:extLst>
+              <a:ext uri="{FF2B5EF4-FFF2-40B4-BE49-F238E27FC236}">
+                <a16:creationId xmlns:a16="http://schemas.microsoft.com/office/drawing/2014/main" id="{08FD98DA-68A5-C6B0-CE04-EFA88B698DC5}"/>
+              </a:ext>
+            </a:extLst>
+          </p:cNvPr>
+          <p:cNvPicPr>
+            <a:picLocks noChangeAspect="1" noChangeArrowheads="1"/>
+          </p:cNvPicPr>
+          <p:nvPr/>
+        </p:nvPicPr>
+        <p:blipFill>
+          <a:blip r:embed="rId6" cstate="print">
+            <a:extLst>
+              <a:ext uri="{BEBA8EAE-BF5A-486C-A8C5-ECC9F3942E4B}">
+                <a14:imgProps xmlns:a14="http://schemas.microsoft.com/office/drawing/2010/main">
+                  <a14:imgLayer r:embed="rId7">
+                    <a14:imgEffect>
+                      <a14:backgroundRemoval t="10000" b="91400" l="10000" r="90000">
+                        <a14:foregroundMark x1="54400" y1="66000" x2="18200" y2="80000"/>
+                        <a14:foregroundMark x1="18200" y1="80000" x2="63600" y2="79800"/>
+                        <a14:foregroundMark x1="63600" y1="79800" x2="87200" y2="91400"/>
+                        <a14:foregroundMark x1="79400" y1="84600" x2="34000" y2="80600"/>
+                        <a14:foregroundMark x1="34000" y1="80600" x2="74600" y2="86600"/>
+                        <a14:foregroundMark x1="74600" y1="86600" x2="12600" y2="81800"/>
+                        <a14:foregroundMark x1="70200" y1="70400" x2="31800" y2="72400"/>
+                        <a14:foregroundMark x1="31800" y1="72400" x2="31800" y2="72800"/>
+                        <a14:foregroundMark x1="43800" y1="70400" x2="30800" y2="70000"/>
+                        <a14:foregroundMark x1="46600" y1="73400" x2="33600" y2="72800"/>
+                      </a14:backgroundRemoval>
+                    </a14:imgEffect>
+                  </a14:imgLayer>
+                </a14:imgProps>
+              </a:ext>
+              <a:ext uri="{28A0092B-C50C-407E-A947-70E740481C1C}">
+                <a14:useLocalDpi xmlns:a14="http://schemas.microsoft.com/office/drawing/2010/main" val="0"/>
+              </a:ext>
+            </a:extLst>
+          </a:blip>
+          <a:srcRect/>
+          <a:stretch>
+            <a:fillRect/>
+          </a:stretch>
+        </p:blipFill>
+        <p:spPr bwMode="auto">
+          <a:xfrm>
+            <a:off x="3437162" y="3940968"/>
+            <a:ext cx="1245457" cy="1245457"/>
+          </a:xfrm>
+          <a:prstGeom prst="rect">
+            <a:avLst/>
+          </a:prstGeom>
+          <a:noFill/>
+          <a:extLst>
+            <a:ext uri="{909E8E84-426E-40DD-AFC4-6F175D3DCCD1}">
+              <a14:hiddenFill xmlns:a14="http://schemas.microsoft.com/office/drawing/2010/main">
+                <a:solidFill>
+                  <a:srgbClr val="FFFFFF"/>
+                </a:solidFill>
+              </a14:hiddenFill>
+            </a:ext>
+          </a:extLst>
+        </p:spPr>
+      </p:pic>
+      <p:sp>
+        <p:nvSpPr>
+          <p:cNvPr id="39" name="TextBox 38">
+            <a:extLst>
+              <a:ext uri="{FF2B5EF4-FFF2-40B4-BE49-F238E27FC236}">
+                <a16:creationId xmlns:a16="http://schemas.microsoft.com/office/drawing/2014/main" id="{A50BF20C-1D7C-8DE2-4586-B68A13311C09}"/>
+              </a:ext>
+            </a:extLst>
+          </p:cNvPr>
+          <p:cNvSpPr txBox="1"/>
+          <p:nvPr/>
+        </p:nvSpPr>
+        <p:spPr>
+          <a:xfrm>
+            <a:off x="7172537" y="3606334"/>
+            <a:ext cx="1538808" cy="1107996"/>
+          </a:xfrm>
+          <a:prstGeom prst="rect">
+            <a:avLst/>
+          </a:prstGeom>
+          <a:noFill/>
+          <a:ln w="12700">
+            <a:solidFill>
+              <a:schemeClr val="tx1"/>
+            </a:solidFill>
+          </a:ln>
+        </p:spPr>
+        <p:txBody>
+          <a:bodyPr wrap="square" rtlCol="0">
+            <a:spAutoFit/>
+          </a:bodyPr>
+          <a:lstStyle/>
+          <a:p>
+            <a:r>
+              <a:rPr lang="de-DE" sz="1600" dirty="0" err="1"/>
+              <a:t>Bankfilial</a:t>
+            </a:r>
+            <a:endParaRPr lang="de-DE" sz="1600" dirty="0"/>
+          </a:p>
+          <a:p>
+            <a:r>
+              <a:rPr lang="de-DE" sz="1600" dirty="0" err="1"/>
+              <a:t>Bankfilial</a:t>
+            </a:r>
+            <a:endParaRPr lang="de-DE" sz="1600" dirty="0"/>
+          </a:p>
+          <a:p>
+            <a:r>
+              <a:rPr lang="de-DE" sz="1600" dirty="0" err="1"/>
+              <a:t>Bankfilial</a:t>
+            </a:r>
+            <a:endParaRPr lang="de-DE" sz="1600" dirty="0"/>
+          </a:p>
+          <a:p>
+            <a:r>
+              <a:rPr lang="de-DE" sz="1600" dirty="0"/>
+              <a:t>…</a:t>
+            </a:r>
+            <a:endParaRPr lang="en-ID" dirty="0"/>
+          </a:p>
+        </p:txBody>
+      </p:sp>
+      <p:cxnSp>
+        <p:nvCxnSpPr>
+          <p:cNvPr id="40" name="Straight Connector 39">
+            <a:extLst>
+              <a:ext uri="{FF2B5EF4-FFF2-40B4-BE49-F238E27FC236}">
+                <a16:creationId xmlns:a16="http://schemas.microsoft.com/office/drawing/2014/main" id="{5DF233F4-2DE5-C2D1-9E64-3D11DF3F33E8}"/>
+              </a:ext>
+            </a:extLst>
+          </p:cNvPr>
+          <p:cNvCxnSpPr>
+            <a:cxnSpLocks/>
+          </p:cNvCxnSpPr>
+          <p:nvPr/>
+        </p:nvCxnSpPr>
+        <p:spPr bwMode="auto">
+          <a:xfrm flipH="1" flipV="1">
+            <a:off x="3080839" y="3083068"/>
+            <a:ext cx="4159401" cy="603969"/>
+          </a:xfrm>
+          <a:prstGeom prst="line">
+            <a:avLst/>
+          </a:prstGeom>
+          <a:ln w="12700">
+            <a:solidFill>
+              <a:schemeClr val="tx1"/>
+            </a:solidFill>
+          </a:ln>
+        </p:spPr>
+        <p:style>
+          <a:lnRef idx="1">
+            <a:schemeClr val="accent1"/>
+          </a:lnRef>
+          <a:fillRef idx="0">
+            <a:schemeClr val="accent1"/>
+          </a:fillRef>
+          <a:effectRef idx="0">
+            <a:schemeClr val="accent1"/>
+          </a:effectRef>
+          <a:fontRef idx="minor">
+            <a:schemeClr val="tx1"/>
+          </a:fontRef>
+        </p:style>
+      </p:cxnSp>
+      <p:cxnSp>
+        <p:nvCxnSpPr>
+          <p:cNvPr id="44" name="Straight Connector 43">
+            <a:extLst>
+              <a:ext uri="{FF2B5EF4-FFF2-40B4-BE49-F238E27FC236}">
+                <a16:creationId xmlns:a16="http://schemas.microsoft.com/office/drawing/2014/main" id="{24407F99-6DC2-AEAD-E7BB-C7D31D73A604}"/>
+              </a:ext>
+            </a:extLst>
+          </p:cNvPr>
+          <p:cNvCxnSpPr>
+            <a:cxnSpLocks/>
+          </p:cNvCxnSpPr>
+          <p:nvPr/>
+        </p:nvCxnSpPr>
+        <p:spPr bwMode="auto">
+          <a:xfrm flipV="1">
+            <a:off x="8082734" y="3083068"/>
+            <a:ext cx="829776" cy="626556"/>
+          </a:xfrm>
+          <a:prstGeom prst="line">
+            <a:avLst/>
+          </a:prstGeom>
+          <a:ln w="12700">
+            <a:solidFill>
+              <a:schemeClr val="tx1"/>
+            </a:solidFill>
+          </a:ln>
+        </p:spPr>
+        <p:style>
+          <a:lnRef idx="1">
+            <a:schemeClr val="accent1"/>
+          </a:lnRef>
+          <a:fillRef idx="0">
+            <a:schemeClr val="accent1"/>
+          </a:fillRef>
+          <a:effectRef idx="0">
+            <a:schemeClr val="accent1"/>
+          </a:effectRef>
+          <a:fontRef idx="minor">
+            <a:schemeClr val="tx1"/>
+          </a:fontRef>
+        </p:style>
+      </p:cxnSp>
+      <p:cxnSp>
+        <p:nvCxnSpPr>
+          <p:cNvPr id="55" name="Straight Arrow Connector 54">
+            <a:extLst>
+              <a:ext uri="{FF2B5EF4-FFF2-40B4-BE49-F238E27FC236}">
+                <a16:creationId xmlns:a16="http://schemas.microsoft.com/office/drawing/2014/main" id="{358DB9D5-4C6D-E101-1353-54D22033CAF1}"/>
+              </a:ext>
+            </a:extLst>
+          </p:cNvPr>
+          <p:cNvCxnSpPr>
+            <a:cxnSpLocks/>
+          </p:cNvCxnSpPr>
+          <p:nvPr/>
+        </p:nvCxnSpPr>
+        <p:spPr bwMode="auto">
+          <a:xfrm>
+            <a:off x="6005154" y="4327422"/>
+            <a:ext cx="1064489" cy="0"/>
+          </a:xfrm>
+          <a:prstGeom prst="straightConnector1">
+            <a:avLst/>
+          </a:prstGeom>
+          <a:ln>
+            <a:headEnd type="triangle"/>
+            <a:tailEnd type="triangle"/>
+          </a:ln>
+        </p:spPr>
+        <p:style>
+          <a:lnRef idx="1">
+            <a:schemeClr val="accent1"/>
+          </a:lnRef>
+          <a:fillRef idx="0">
+            <a:schemeClr val="accent1"/>
+          </a:fillRef>
+          <a:effectRef idx="0">
+            <a:schemeClr val="accent1"/>
+          </a:effectRef>
+          <a:fontRef idx="minor">
+            <a:schemeClr val="tx1"/>
+          </a:fontRef>
+        </p:style>
+      </p:cxnSp>
+      <p:sp>
+        <p:nvSpPr>
+          <p:cNvPr id="57" name="TextBox 56">
+            <a:extLst>
+              <a:ext uri="{FF2B5EF4-FFF2-40B4-BE49-F238E27FC236}">
+                <a16:creationId xmlns:a16="http://schemas.microsoft.com/office/drawing/2014/main" id="{689B9A0E-0CB9-5612-C2DF-0C5F6324A3DF}"/>
+              </a:ext>
+            </a:extLst>
+          </p:cNvPr>
+          <p:cNvSpPr txBox="1"/>
+          <p:nvPr/>
+        </p:nvSpPr>
+        <p:spPr bwMode="auto">
+          <a:xfrm>
+            <a:off x="6070617" y="4323559"/>
+            <a:ext cx="1064489" cy="523220"/>
+          </a:xfrm>
+          <a:prstGeom prst="rect">
+            <a:avLst/>
+          </a:prstGeom>
+          <a:noFill/>
+        </p:spPr>
+        <p:txBody>
+          <a:bodyPr wrap="square" rtlCol="0">
+            <a:spAutoFit/>
+          </a:bodyPr>
+          <a:lstStyle/>
+          <a:p>
+            <a:pPr algn="ctr"/>
+            <a:r>
+              <a:rPr lang="de-DE" sz="1400" dirty="0"/>
+              <a:t>WAN/</a:t>
+            </a:r>
+          </a:p>
+          <a:p>
+            <a:pPr algn="ctr"/>
+            <a:r>
+              <a:rPr lang="de-DE" sz="1400" dirty="0"/>
+              <a:t>Internet</a:t>
+            </a:r>
+            <a:endParaRPr lang="en-ID" dirty="0"/>
+          </a:p>
+        </p:txBody>
+      </p:sp>
+      <p:sp>
+        <p:nvSpPr>
+          <p:cNvPr id="58" name="TextBox 57">
+            <a:extLst>
+              <a:ext uri="{FF2B5EF4-FFF2-40B4-BE49-F238E27FC236}">
+                <a16:creationId xmlns:a16="http://schemas.microsoft.com/office/drawing/2014/main" id="{330A579C-5C54-CBB0-DEA7-7D2A46FD8905}"/>
+              </a:ext>
+            </a:extLst>
+          </p:cNvPr>
+          <p:cNvSpPr txBox="1"/>
+          <p:nvPr/>
+        </p:nvSpPr>
+        <p:spPr>
+          <a:xfrm>
+            <a:off x="3424447" y="3828163"/>
+            <a:ext cx="1317990" cy="276999"/>
+          </a:xfrm>
+          <a:prstGeom prst="rect">
+            <a:avLst/>
+          </a:prstGeom>
+          <a:noFill/>
+        </p:spPr>
+        <p:txBody>
+          <a:bodyPr wrap="none" rtlCol="0">
+            <a:spAutoFit/>
+          </a:bodyPr>
+          <a:lstStyle/>
+          <a:p>
+            <a:r>
+              <a:rPr lang="de-DE" sz="1200" dirty="0"/>
+              <a:t>Enterprise Client</a:t>
+            </a:r>
+            <a:endParaRPr lang="en-ID" dirty="0"/>
           </a:p>
         </p:txBody>
       </p:sp>
     </p:spTree>
+    <p:extLst>
+      <p:ext uri="{BB962C8B-B14F-4D97-AF65-F5344CB8AC3E}">
+        <p14:creationId xmlns:p14="http://schemas.microsoft.com/office/powerpoint/2010/main" val="3988088345"/>
+      </p:ext>
+    </p:extLst>
   </p:cSld>
   <p:clrMapOvr>
     <a:masterClrMapping/>
@@ -1848,35 +3130,6 @@
               <a:buNone/>
               <a:defRPr/>
             </a:pPr>
-            <a:r>
-              <a:rPr lang="de-DE" dirty="0">
-                <a:solidFill>
-                  <a:srgbClr val="FF0000"/>
-                </a:solidFill>
-              </a:rPr>
-              <a:t>Fügen Sie bitte Ihren technischen Überblick ein. Der technische Überblick kann mit einem UML Diagramm oder auch ein Box und Line Diagramm (keine Standardsyntax) oder auch Box und Line versehen mit grafischen Bilder sein. Vergleiche dazu auch die Vorlesung.</a:t>
-            </a:r>
-          </a:p>
-          <a:p>
-            <a:pPr marL="0" indent="0" algn="ctr">
-              <a:buNone/>
-              <a:defRPr/>
-            </a:pPr>
-            <a:endParaRPr dirty="0"/>
-          </a:p>
-          <a:p>
-            <a:pPr marL="0" indent="0" algn="ctr">
-              <a:buNone/>
-              <a:defRPr/>
-            </a:pPr>
-            <a:r>
-              <a:rPr lang="de-DE" dirty="0">
-                <a:solidFill>
-                  <a:srgbClr val="FF0000"/>
-                </a:solidFill>
-              </a:rPr>
-              <a:t>Wichtig: Im technischen Überblick beschreiben zeigen wir einen Überblick über die technischen Komponenten (PCs, Server, Drucker, externe Systeme, etc.) und wie diese vernetzt sind (Internet, Cloud, etc.)  und wie sie so interagieren können.</a:t>
-            </a:r>
             <a:endParaRPr dirty="0"/>
           </a:p>
         </p:txBody>
@@ -1901,12 +3154,48 @@
             </a:pPr>
             <a:r>
               <a:rPr lang="de-DE"/>
-              <a:t>Context View: Technischer Überblick</a:t>
+              <a:t>Context View: Fachlicher Überblick</a:t>
             </a:r>
             <a:endParaRPr/>
           </a:p>
         </p:txBody>
       </p:sp>
+      <p:pic>
+        <p:nvPicPr>
+          <p:cNvPr id="2" name="Picture 1">
+            <a:extLst>
+              <a:ext uri="{FF2B5EF4-FFF2-40B4-BE49-F238E27FC236}">
+                <a16:creationId xmlns:a16="http://schemas.microsoft.com/office/drawing/2014/main" id="{D3FCA575-EE8B-3BAE-20EA-C66128B27033}"/>
+              </a:ext>
+            </a:extLst>
+          </p:cNvPr>
+          <p:cNvPicPr>
+            <a:picLocks noChangeAspect="1"/>
+          </p:cNvPicPr>
+          <p:nvPr/>
+        </p:nvPicPr>
+        <p:blipFill>
+          <a:blip r:embed="rId2">
+            <a:extLst>
+              <a:ext uri="{28A0092B-C50C-407E-A947-70E740481C1C}">
+                <a14:useLocalDpi xmlns:a14="http://schemas.microsoft.com/office/drawing/2010/main" val="0"/>
+              </a:ext>
+            </a:extLst>
+          </a:blip>
+          <a:stretch>
+            <a:fillRect/>
+          </a:stretch>
+        </p:blipFill>
+        <p:spPr bwMode="auto">
+          <a:xfrm>
+            <a:off x="1169311" y="1313380"/>
+            <a:ext cx="7530342" cy="3960491"/>
+          </a:xfrm>
+          <a:prstGeom prst="rect">
+            <a:avLst/>
+          </a:prstGeom>
+        </p:spPr>
+      </p:pic>
     </p:spTree>
   </p:cSld>
   <p:clrMapOvr>
@@ -1957,22 +3246,24 @@
                   <a:srgbClr val="FF0000"/>
                 </a:solidFill>
               </a:rPr>
-              <a:t>Fügen Sie bitte Ihre Context View Fachlich ein.</a:t>
-            </a:r>
-            <a:br>
-              <a:rPr lang="de-DE">
+              <a:t>Beschreiben sie hier mit einem UML Komponentendiagramm bzw. Kompositionsstrukturdiagramm wie das System fachlich in die Komponenten zerlegt wird. Berücksichtigen sie dabei den Zusammenhang zur Grobarchitektur!</a:t>
+            </a:r>
+          </a:p>
+          <a:p>
+            <a:pPr marL="0" indent="0" algn="ctr">
+              <a:buNone/>
+              <a:defRPr/>
+            </a:pPr>
+            <a:r>
+              <a:rPr lang="de-DE" sz="2000" b="0" i="0" u="none" strike="noStrike" cap="none" spc="0">
                 <a:solidFill>
                   <a:srgbClr val="FF0000"/>
                 </a:solidFill>
+                <a:latin typeface="Arial Unicode MS"/>
+                <a:ea typeface="Arial Unicode MS"/>
+                <a:cs typeface="Arial Unicode MS"/>
               </a:rPr>
-            </a:br>
-            <a:r>
-              <a:rPr lang="de-DE">
-                <a:solidFill>
-                  <a:srgbClr val="FF0000"/>
-                </a:solidFill>
-              </a:rPr>
-              <a:t>(Use-Case Diagramm mit ggf. ergänzenden technischen Komponenten – Macht nur Sinn, falls das Use-Case Diagramm mit zusätzlichen technischen Komponenten erweitert wurde !) </a:t>
+              <a:t>Berücksichtigen sie hierbei auch die Beschreibung der Schnittstellen!</a:t>
             </a:r>
             <a:endParaRPr/>
           </a:p>
@@ -1998,9 +3289,16 @@
             </a:pPr>
             <a:r>
               <a:rPr lang="de-DE"/>
-              <a:t>Context View: Fachlicher Überblick</a:t>
-            </a:r>
-            <a:endParaRPr/>
+              <a:t>Fachliche Architekturebene: Structural View </a:t>
+            </a:r>
+            <a:br>
+              <a:rPr lang="de-DE"/>
+            </a:br>
+            <a:r>
+              <a:rPr lang="de-DE" sz="2000"/>
+              <a:t>Top Level</a:t>
+            </a:r>
+            <a:endParaRPr lang="de-DE"/>
           </a:p>
         </p:txBody>
       </p:sp>
@@ -2049,12 +3347,15 @@
               <a:defRPr/>
             </a:pPr>
             <a:r>
-              <a:rPr lang="de-DE">
+              <a:rPr lang="de-DE" sz="2000" b="0" i="0" u="none" strike="noStrike" cap="none" spc="0">
                 <a:solidFill>
                   <a:srgbClr val="FF0000"/>
                 </a:solidFill>
+                <a:latin typeface="Arial Unicode MS"/>
+                <a:ea typeface="Arial Unicode MS"/>
+                <a:cs typeface="Arial Unicode MS"/>
               </a:rPr>
-              <a:t>Beschreiben sie hier mit einem UML Komponentendiagramm bzw. Kompositionsstrukturdiagramm wie das System fachlich in die Komponenten zerlegt wird. Berücksichtigen sie dabei den Zusammenhang zur Grobarchitektur!</a:t>
+              <a:t>Beschreiben sie hier mit einem UML Komponentendiagramm bzw. Kompositionsstrukturdiagramm wie eine ausgewählte Komponente aus der oberen fachlichen Architekturebene weiter in Unterkomponenten zerlegt wird. </a:t>
             </a:r>
           </a:p>
           <a:p>
@@ -2097,14 +3398,14 @@
             </a:pPr>
             <a:r>
               <a:rPr lang="de-DE"/>
-              <a:t>Fachliche Architekturebene: Structural View </a:t>
+              <a:t>Fachliche Architekturebene: Structural View</a:t>
             </a:r>
             <a:br>
               <a:rPr lang="de-DE"/>
             </a:br>
             <a:r>
               <a:rPr lang="de-DE" sz="2000"/>
-              <a:t>Top Level</a:t>
+              <a:t>Komponente XY</a:t>
             </a:r>
             <a:endParaRPr lang="de-DE"/>
           </a:p>
@@ -2137,115 +3438,6 @@
       </p:grpSpPr>
       <p:sp>
         <p:nvSpPr>
-          <p:cNvPr id="5" name="Inhaltsplatzhalter 4"/>
-          <p:cNvSpPr>
-            <a:spLocks noGrp="1"/>
-          </p:cNvSpPr>
-          <p:nvPr>
-            <p:ph idx="1"/>
-          </p:nvPr>
-        </p:nvSpPr>
-        <p:spPr bwMode="auto"/>
-        <p:txBody>
-          <a:bodyPr anchor="ctr"/>
-          <a:lstStyle/>
-          <a:p>
-            <a:pPr marL="0" indent="0" algn="ctr">
-              <a:buNone/>
-              <a:defRPr/>
-            </a:pPr>
-            <a:r>
-              <a:rPr lang="de-DE" sz="2000" b="0" i="0" u="none" strike="noStrike" cap="none" spc="0">
-                <a:solidFill>
-                  <a:srgbClr val="FF0000"/>
-                </a:solidFill>
-                <a:latin typeface="Arial Unicode MS"/>
-                <a:ea typeface="Arial Unicode MS"/>
-                <a:cs typeface="Arial Unicode MS"/>
-              </a:rPr>
-              <a:t>Beschreiben sie hier mit einem UML Komponentendiagramm bzw. Kompositionsstrukturdiagramm wie eine ausgewählte Komponente aus der oberen fachlichen Architekturebene weiter in Unterkomponenten zerlegt wird. </a:t>
-            </a:r>
-          </a:p>
-          <a:p>
-            <a:pPr marL="0" indent="0" algn="ctr">
-              <a:buNone/>
-              <a:defRPr/>
-            </a:pPr>
-            <a:r>
-              <a:rPr lang="de-DE" sz="2000" b="0" i="0" u="none" strike="noStrike" cap="none" spc="0">
-                <a:solidFill>
-                  <a:srgbClr val="FF0000"/>
-                </a:solidFill>
-                <a:latin typeface="Arial Unicode MS"/>
-                <a:ea typeface="Arial Unicode MS"/>
-                <a:cs typeface="Arial Unicode MS"/>
-              </a:rPr>
-              <a:t>Berücksichtigen sie hierbei auch die Beschreibung der Schnittstellen!</a:t>
-            </a:r>
-            <a:endParaRPr/>
-          </a:p>
-        </p:txBody>
-      </p:sp>
-      <p:sp>
-        <p:nvSpPr>
-          <p:cNvPr id="4" name="Titel 3"/>
-          <p:cNvSpPr>
-            <a:spLocks noGrp="1"/>
-          </p:cNvSpPr>
-          <p:nvPr>
-            <p:ph type="title"/>
-          </p:nvPr>
-        </p:nvSpPr>
-        <p:spPr bwMode="auto"/>
-        <p:txBody>
-          <a:bodyPr/>
-          <a:lstStyle/>
-          <a:p>
-            <a:pPr>
-              <a:defRPr/>
-            </a:pPr>
-            <a:r>
-              <a:rPr lang="de-DE"/>
-              <a:t>Fachliche Architekturebene: Structural View</a:t>
-            </a:r>
-            <a:br>
-              <a:rPr lang="de-DE"/>
-            </a:br>
-            <a:r>
-              <a:rPr lang="de-DE" sz="2000"/>
-              <a:t>Komponente XY</a:t>
-            </a:r>
-            <a:endParaRPr lang="de-DE"/>
-          </a:p>
-        </p:txBody>
-      </p:sp>
-    </p:spTree>
-  </p:cSld>
-  <p:clrMapOvr>
-    <a:masterClrMapping/>
-  </p:clrMapOvr>
-</p:sld>
-</file>
-
-<file path=ppt/slides/slide18.xml><?xml version="1.0" encoding="utf-8"?>
-<p:sld xmlns:a="http://schemas.openxmlformats.org/drawingml/2006/main" xmlns:r="http://schemas.openxmlformats.org/officeDocument/2006/relationships" xmlns:p="http://schemas.openxmlformats.org/presentationml/2006/main" showMasterPhAnim="0">
-  <p:cSld>
-    <p:spTree>
-      <p:nvGrpSpPr>
-        <p:cNvPr id="1" name=""/>
-        <p:cNvGrpSpPr/>
-        <p:nvPr/>
-      </p:nvGrpSpPr>
-      <p:grpSpPr bwMode="auto">
-        <a:xfrm>
-          <a:off x="0" y="0"/>
-          <a:ext cx="0" cy="0"/>
-          <a:chOff x="0" y="0"/>
-          <a:chExt cx="0" cy="0"/>
-        </a:xfrm>
-      </p:grpSpPr>
-      <p:sp>
-        <p:nvSpPr>
           <p:cNvPr id="3" name="Titel 2"/>
           <p:cNvSpPr>
             <a:spLocks noGrp="1"/>
@@ -2337,107 +3529,6 @@
                 </a:solidFill>
               </a:rPr>
               <a:t>Beachte: Die Teilnehmer in dem Sequenzdiagramm müssen konsistent mit der fachlichen Architektur sein!</a:t>
-            </a:r>
-            <a:endParaRPr/>
-          </a:p>
-        </p:txBody>
-      </p:sp>
-    </p:spTree>
-  </p:cSld>
-  <p:clrMapOvr>
-    <a:masterClrMapping/>
-  </p:clrMapOvr>
-</p:sld>
-</file>
-
-<file path=ppt/slides/slide19.xml><?xml version="1.0" encoding="utf-8"?>
-<p:sld xmlns:a="http://schemas.openxmlformats.org/drawingml/2006/main" xmlns:r="http://schemas.openxmlformats.org/officeDocument/2006/relationships" xmlns:p="http://schemas.openxmlformats.org/presentationml/2006/main" showMasterPhAnim="0">
-  <p:cSld>
-    <p:spTree>
-      <p:nvGrpSpPr>
-        <p:cNvPr id="1" name=""/>
-        <p:cNvGrpSpPr/>
-        <p:nvPr/>
-      </p:nvGrpSpPr>
-      <p:grpSpPr bwMode="auto">
-        <a:xfrm>
-          <a:off x="0" y="0"/>
-          <a:ext cx="0" cy="0"/>
-          <a:chOff x="0" y="0"/>
-          <a:chExt cx="0" cy="0"/>
-        </a:xfrm>
-      </p:grpSpPr>
-      <p:sp>
-        <p:nvSpPr>
-          <p:cNvPr id="3" name="Titel 2"/>
-          <p:cNvSpPr>
-            <a:spLocks noGrp="1"/>
-          </p:cNvSpPr>
-          <p:nvPr>
-            <p:ph type="title"/>
-          </p:nvPr>
-        </p:nvSpPr>
-        <p:spPr bwMode="auto"/>
-        <p:txBody>
-          <a:bodyPr/>
-          <a:lstStyle/>
-          <a:p>
-            <a:pPr>
-              <a:defRPr/>
-            </a:pPr>
-            <a:r>
-              <a:rPr lang="de-DE"/>
-              <a:t>Fachliche Architekturebene: Deployment View</a:t>
-            </a:r>
-            <a:endParaRPr/>
-          </a:p>
-        </p:txBody>
-      </p:sp>
-      <p:sp>
-        <p:nvSpPr>
-          <p:cNvPr id="4" name="Inhaltsplatzhalter 4"/>
-          <p:cNvSpPr>
-            <a:spLocks noGrp="1"/>
-          </p:cNvSpPr>
-          <p:nvPr>
-            <p:ph idx="1"/>
-          </p:nvPr>
-        </p:nvSpPr>
-        <p:spPr bwMode="auto">
-          <a:xfrm>
-            <a:off x="532697" y="1426104"/>
-            <a:ext cx="8803570" cy="3591636"/>
-          </a:xfrm>
-        </p:spPr>
-        <p:txBody>
-          <a:bodyPr anchor="ctr"/>
-          <a:lstStyle/>
-          <a:p>
-            <a:pPr marL="0" indent="0" algn="ctr">
-              <a:buNone/>
-              <a:defRPr/>
-            </a:pPr>
-            <a:r>
-              <a:rPr lang="de-DE">
-                <a:solidFill>
-                  <a:srgbClr val="FF0000"/>
-                </a:solidFill>
-              </a:rPr>
-              <a:t>Fügen Sie bitte Ihr Deployment Diagram ein.</a:t>
-            </a:r>
-          </a:p>
-          <a:p>
-            <a:pPr marL="0" indent="0" algn="ctr">
-              <a:buNone/>
-              <a:defRPr/>
-            </a:pPr>
-            <a:r>
-              <a:rPr lang="de-DE">
-                <a:solidFill>
-                  <a:srgbClr val="FF0000"/>
-                </a:solidFill>
-              </a:rPr>
-              <a:t>Beachten sie hierbei wiederum die Konsistenz zur fachlichen Architektur wie auch zum technischen und fachlichen Context View.</a:t>
             </a:r>
             <a:endParaRPr/>
           </a:p>
@@ -2522,18 +3613,17 @@
               <a:defRPr/>
             </a:pPr>
             <a:r>
-              <a:rPr lang="de-DE"/>
+              <a:rPr lang="de-DE" dirty="0"/>
               <a:t>Anforderungstext – </a:t>
             </a:r>
             <a:r>
-              <a:rPr lang="de-DE">
+              <a:rPr lang="de-DE" dirty="0">
                 <a:solidFill>
-                  <a:srgbClr val="FF0000"/>
+                  <a:schemeClr val="tx2"/>
                 </a:solidFill>
               </a:rPr>
-              <a:t>Überschrift der Anf.</a:t>
-            </a:r>
-            <a:endParaRPr lang="de-DE"/>
+              <a:t>Bank</a:t>
+            </a:r>
           </a:p>
         </p:txBody>
       </p:sp>
@@ -2808,7 +3898,12 @@
             <p:ph idx="1"/>
           </p:nvPr>
         </p:nvSpPr>
-        <p:spPr bwMode="auto"/>
+        <p:spPr bwMode="auto">
+          <a:xfrm>
+            <a:off x="532697" y="3217540"/>
+            <a:ext cx="8507743" cy="1800200"/>
+          </a:xfrm>
+        </p:spPr>
         <p:txBody>
           <a:bodyPr anchor="ctr"/>
           <a:lstStyle/>
@@ -2818,146 +3913,71 @@
               <a:defRPr/>
             </a:pPr>
             <a:r>
-              <a:rPr lang="de-DE" dirty="0">
-                <a:solidFill>
-                  <a:srgbClr val="FF0000"/>
-                </a:solidFill>
-              </a:rPr>
-              <a:t>Fügen Sie bitte Ihre </a:t>
-            </a:r>
-            <a:r>
-              <a:rPr lang="de-DE" dirty="0" err="1">
-                <a:solidFill>
-                  <a:srgbClr val="FF0000"/>
-                </a:solidFill>
-              </a:rPr>
-              <a:t>Epics</a:t>
-            </a:r>
-            <a:r>
-              <a:rPr lang="de-DE" dirty="0">
-                <a:solidFill>
-                  <a:srgbClr val="FF0000"/>
-                </a:solidFill>
-              </a:rPr>
-              <a:t> ein und ordnen sie die </a:t>
-            </a:r>
-            <a:r>
-              <a:rPr lang="de-DE" dirty="0" err="1">
-                <a:solidFill>
-                  <a:srgbClr val="FF0000"/>
-                </a:solidFill>
-              </a:rPr>
-              <a:t>Epics</a:t>
-            </a:r>
-            <a:r>
-              <a:rPr lang="de-DE" dirty="0">
-                <a:solidFill>
-                  <a:srgbClr val="FF0000"/>
-                </a:solidFill>
-              </a:rPr>
-              <a:t> den Use Cases zu (Verwenden sie die Textschablone für Use Cases aus der Vorlesung für die Beschreibung der </a:t>
-            </a:r>
-            <a:r>
-              <a:rPr lang="de-DE" dirty="0" err="1">
-                <a:solidFill>
-                  <a:srgbClr val="FF0000"/>
-                </a:solidFill>
-              </a:rPr>
-              <a:t>Epics</a:t>
-            </a:r>
-            <a:r>
-              <a:rPr lang="de-DE" dirty="0">
-                <a:solidFill>
-                  <a:srgbClr val="FF0000"/>
-                </a:solidFill>
-              </a:rPr>
-              <a:t>)</a:t>
-            </a:r>
-            <a:endParaRPr dirty="0"/>
+              <a:rPr lang="de-DE" b="1" dirty="0"/>
+              <a:t>Epic 1: Depotkonto eröffnen</a:t>
+            </a:r>
           </a:p>
           <a:p>
             <a:pPr marL="0" indent="0" algn="ctr">
               <a:buNone/>
               <a:defRPr/>
             </a:pPr>
-            <a:endParaRPr lang="de-DE" dirty="0">
-              <a:solidFill>
-                <a:srgbClr val="FF0000"/>
-              </a:solidFill>
-            </a:endParaRPr>
+            <a:r>
+              <a:rPr lang="de-DE" dirty="0"/>
+              <a:t>Das System muss dem Kunden die Möglichkeit geben, eine Depotkonto eröffnen zu können.</a:t>
+            </a:r>
           </a:p>
           <a:p>
             <a:pPr marL="0" indent="0" algn="ctr">
               <a:buNone/>
               <a:defRPr/>
             </a:pPr>
-            <a:r>
-              <a:rPr lang="de-DE" dirty="0">
-                <a:solidFill>
-                  <a:srgbClr val="FF0000"/>
-                </a:solidFill>
-              </a:rPr>
-              <a:t>Fügen sie ihre User-Stories zu den </a:t>
-            </a:r>
-            <a:r>
-              <a:rPr lang="de-DE" dirty="0" err="1">
-                <a:solidFill>
-                  <a:srgbClr val="FF0000"/>
-                </a:solidFill>
-              </a:rPr>
-              <a:t>Epics</a:t>
-            </a:r>
-            <a:r>
-              <a:rPr lang="de-DE" dirty="0">
-                <a:solidFill>
-                  <a:srgbClr val="FF0000"/>
-                </a:solidFill>
-              </a:rPr>
-              <a:t> ein. Beschreiben sie die User-Stories mit Story-Cards (Textschablone aus der Vorlesung beachten) ein. Vergessen sie nicht die </a:t>
-            </a:r>
-            <a:r>
-              <a:rPr lang="de-DE" dirty="0" err="1">
-                <a:solidFill>
-                  <a:srgbClr val="FF0000"/>
-                </a:solidFill>
-              </a:rPr>
-              <a:t>Akzeptanzkritieren</a:t>
-            </a:r>
-            <a:r>
-              <a:rPr lang="de-DE" dirty="0">
-                <a:solidFill>
-                  <a:srgbClr val="FF0000"/>
-                </a:solidFill>
-              </a:rPr>
-              <a:t> für die User-Stories zu beschreiben.</a:t>
-            </a:r>
-            <a:endParaRPr dirty="0"/>
+            <a:endParaRPr lang="de-DE" dirty="0"/>
           </a:p>
           <a:p>
             <a:pPr marL="0" indent="0" algn="ctr">
               <a:buNone/>
               <a:defRPr/>
             </a:pPr>
-            <a:endParaRPr lang="de-DE" dirty="0">
-              <a:solidFill>
-                <a:srgbClr val="FF0000"/>
-              </a:solidFill>
-            </a:endParaRPr>
+            <a:endParaRPr lang="de-DE" dirty="0"/>
           </a:p>
           <a:p>
             <a:pPr marL="0" indent="0" algn="ctr">
               <a:buNone/>
               <a:defRPr/>
             </a:pPr>
-            <a:r>
-              <a:rPr lang="de-DE" dirty="0">
-                <a:solidFill>
-                  <a:srgbClr val="FF0000"/>
-                </a:solidFill>
-              </a:rPr>
-              <a:t>Kennzeichnen sie die Story Card / User-Stories bzw. den Use-Case / Epic der anschließend als Sequenzdiagramm dargestellt wird!</a:t>
-            </a:r>
-            <a:endParaRPr dirty="0"/>
+            <a:endParaRPr lang="de-DE" dirty="0"/>
+          </a:p>
+          <a:p>
+            <a:pPr marL="0" indent="0" algn="ctr">
+              <a:buNone/>
+              <a:defRPr/>
+            </a:pPr>
+            <a:endParaRPr lang="de-DE" dirty="0"/>
+          </a:p>
+          <a:p>
+            <a:pPr marL="0" indent="0" algn="ctr">
+              <a:buNone/>
+              <a:defRPr/>
+            </a:pPr>
+            <a:r>
+              <a:rPr lang="de-DE" dirty="0"/>
+              <a:t>(wird in Sequenzdiagram dargestellt)</a:t>
+            </a:r>
+          </a:p>
+          <a:p>
+            <a:pPr marL="0" indent="0" algn="ctr">
+              <a:buNone/>
+              <a:defRPr/>
+            </a:pPr>
+            <a:endParaRPr lang="de-DE" dirty="0"/>
+          </a:p>
+          <a:p>
+            <a:pPr marL="0" indent="0" algn="ctr">
+              <a:buNone/>
+              <a:defRPr/>
+            </a:pPr>
+            <a:endParaRPr lang="de-DE" dirty="0"/>
           </a:p>
         </p:txBody>
       </p:sp>
@@ -2988,6 +4008,11 @@
         </p:txBody>
       </p:sp>
     </p:spTree>
+    <p:extLst>
+      <p:ext uri="{BB962C8B-B14F-4D97-AF65-F5344CB8AC3E}">
+        <p14:creationId xmlns:p14="http://schemas.microsoft.com/office/powerpoint/2010/main" val="2771629584"/>
+      </p:ext>
+    </p:extLst>
   </p:cSld>
   <p:clrMapOvr>
     <a:masterClrMapping/>
@@ -3029,26 +4054,63 @@
           </a:xfrm>
         </p:spPr>
         <p:txBody>
-          <a:bodyPr anchor="ctr"/>
-          <a:lstStyle/>
-          <a:p>
-            <a:pPr marL="0" indent="0" algn="ctr">
+          <a:bodyPr anchor="t"/>
+          <a:lstStyle/>
+          <a:p>
+            <a:pPr marL="0" indent="0">
               <a:buNone/>
               <a:defRPr/>
             </a:pPr>
             <a:r>
+              <a:rPr lang="de-DE" b="1" dirty="0">
+                <a:solidFill>
+                  <a:srgbClr val="00B050"/>
+                </a:solidFill>
+              </a:rPr>
+              <a:t>User Story 1</a:t>
+            </a:r>
+            <a:r>
               <a:rPr lang="de-DE" b="1" dirty="0"/>
-              <a:t>Epic 1: Depotkonto eröffnen</a:t>
-            </a:r>
-          </a:p>
-          <a:p>
-            <a:pPr marL="0" indent="0" algn="ctr">
+              <a:t>: Als Kunde möchte ich Kontodaten wie Name und Adresse hinterlegen, um die bei der Eröffnung eines Depotkontos erforderlicher Informationen anzugeben.</a:t>
+            </a:r>
+          </a:p>
+          <a:p>
+            <a:pPr marL="0" indent="0">
               <a:buNone/>
               <a:defRPr/>
             </a:pPr>
+            <a:endParaRPr lang="de-DE" b="1" dirty="0"/>
+          </a:p>
+          <a:p>
+            <a:pPr marL="0" indent="0">
+              <a:buNone/>
+              <a:defRPr/>
+            </a:pPr>
+            <a:r>
+              <a:rPr lang="de-DE" u="sng" dirty="0"/>
+              <a:t>Akzeptanzkriterium</a:t>
+            </a:r>
             <a:r>
               <a:rPr lang="de-DE" dirty="0"/>
-              <a:t>Das System muss dem Kunden die Möglichkeit geben, eine Depotkonto eröffnen zu können.</a:t>
+              <a:t>: </a:t>
+            </a:r>
+          </a:p>
+          <a:p>
+            <a:pPr>
+              <a:defRPr/>
+            </a:pPr>
+            <a:r>
+              <a:rPr lang="de-DE" dirty="0"/>
+              <a:t>Der Kunde muss seine Name und Adresse eingeben.</a:t>
+            </a:r>
+          </a:p>
+          <a:p>
+            <a:pPr>
+              <a:defRPr/>
+            </a:pPr>
+            <a:r>
+              <a:rPr lang="de-DE" dirty="0"/>
+              <a:t>Die eingegebene Name und Adresse muss zum Personalausweis übereinstimmen.</a:t>
             </a:r>
           </a:p>
         </p:txBody>
@@ -3082,7 +4144,7 @@
     </p:spTree>
     <p:extLst>
       <p:ext uri="{BB962C8B-B14F-4D97-AF65-F5344CB8AC3E}">
-        <p14:creationId xmlns:p14="http://schemas.microsoft.com/office/powerpoint/2010/main" val="2771629584"/>
+        <p14:creationId xmlns:p14="http://schemas.microsoft.com/office/powerpoint/2010/main" val="66586003"/>
       </p:ext>
     </p:extLst>
   </p:cSld>
@@ -3139,11 +4201,11 @@
                   <a:srgbClr val="00B050"/>
                 </a:solidFill>
               </a:rPr>
-              <a:t>User Story 1</a:t>
+              <a:t>User Story 2</a:t>
             </a:r>
             <a:r>
               <a:rPr lang="de-DE" b="1" dirty="0"/>
-              <a:t>: Als Kunde möchte ich Kontodaten wie Name und Adresse hinterlegen, um die bei der Eröffnung eines Depotkontos erforderlicher Informationen anzugeben.</a:t>
+              <a:t>: Als Kunde möchte ich Password des Depotkontos eingestellt, um ein zukünftiges Einloggen des Depotkontos zu ermöglichen.</a:t>
             </a:r>
           </a:p>
           <a:p>
@@ -3173,7 +4235,7 @@
             </a:pPr>
             <a:r>
               <a:rPr lang="de-DE" dirty="0"/>
-              <a:t>Der Kunde muss seine Name und Adresse eingeben.</a:t>
+              <a:t>Der Kunde muss zweimal das Password eingeben.</a:t>
             </a:r>
           </a:p>
           <a:p>
@@ -3182,25 +4244,7 @@
             </a:pPr>
             <a:r>
               <a:rPr lang="de-DE" dirty="0"/>
-              <a:t>Die eingegebene Name und Adresse muss zum Personalausweis übereinstimmen.</a:t>
-            </a:r>
-          </a:p>
-          <a:p>
-            <a:pPr>
-              <a:defRPr/>
-            </a:pPr>
-            <a:r>
-              <a:rPr lang="de-DE" dirty="0"/>
-              <a:t>Der Kunde muss die Rechte zur Überprüfung des SCHUFAs geben.</a:t>
-            </a:r>
-          </a:p>
-          <a:p>
-            <a:pPr>
-              <a:defRPr/>
-            </a:pPr>
-            <a:r>
-              <a:rPr lang="de-DE" dirty="0"/>
-              <a:t>Das SCHUFA muss akzeptabel sein.</a:t>
+              <a:t>Das Password muss aus mindestens 9 Zeichen bestehen.</a:t>
             </a:r>
           </a:p>
         </p:txBody>
@@ -3234,7 +4278,7 @@
     </p:spTree>
     <p:extLst>
       <p:ext uri="{BB962C8B-B14F-4D97-AF65-F5344CB8AC3E}">
-        <p14:creationId xmlns:p14="http://schemas.microsoft.com/office/powerpoint/2010/main" val="66586003"/>
+        <p14:creationId xmlns:p14="http://schemas.microsoft.com/office/powerpoint/2010/main" val="619945716"/>
       </p:ext>
     </p:extLst>
   </p:cSld>
@@ -3278,63 +4322,23 @@
           </a:xfrm>
         </p:spPr>
         <p:txBody>
-          <a:bodyPr anchor="t"/>
-          <a:lstStyle/>
-          <a:p>
-            <a:pPr marL="0" indent="0">
+          <a:bodyPr anchor="ctr"/>
+          <a:lstStyle/>
+          <a:p>
+            <a:pPr marL="0" indent="0" algn="ctr">
               <a:buNone/>
               <a:defRPr/>
             </a:pPr>
             <a:r>
-              <a:rPr lang="de-DE" b="1" dirty="0">
-                <a:solidFill>
-                  <a:srgbClr val="00B050"/>
-                </a:solidFill>
-              </a:rPr>
-              <a:t>User Story 2</a:t>
-            </a:r>
-            <a:r>
               <a:rPr lang="de-DE" b="1" dirty="0"/>
-              <a:t>: Als Kunde möchte ich Password des Depotkontos eingestellt, um ein zukünftiges Einloggen des Depotkontos zu ermöglichen.</a:t>
-            </a:r>
-          </a:p>
-          <a:p>
-            <a:pPr marL="0" indent="0">
-              <a:buNone/>
-              <a:defRPr/>
-            </a:pPr>
-            <a:endParaRPr lang="de-DE" b="1" dirty="0"/>
-          </a:p>
-          <a:p>
-            <a:pPr marL="0" indent="0">
-              <a:buNone/>
-              <a:defRPr/>
-            </a:pPr>
-            <a:r>
-              <a:rPr lang="de-DE" u="sng" dirty="0"/>
-              <a:t>Akzeptanzkriterium</a:t>
-            </a:r>
+              <a:t>Epic 2: Posten ansehen</a:t>
+            </a:r>
+            <a:br>
+              <a:rPr lang="de-DE" b="1" dirty="0"/>
+            </a:br>
             <a:r>
               <a:rPr lang="de-DE" dirty="0"/>
-              <a:t>: </a:t>
-            </a:r>
-          </a:p>
-          <a:p>
-            <a:pPr>
-              <a:defRPr/>
-            </a:pPr>
-            <a:r>
-              <a:rPr lang="de-DE" dirty="0"/>
-              <a:t>Der Kunde muss zweimal das Password eingeben.</a:t>
-            </a:r>
-          </a:p>
-          <a:p>
-            <a:pPr>
-              <a:defRPr/>
-            </a:pPr>
-            <a:r>
-              <a:rPr lang="de-DE" dirty="0"/>
-              <a:t>Das Password muss aus mindestens 9 Zeichen bestehen.</a:t>
+              <a:t>Das System muss dem Kunden die Möglichkeit geben, die Posten in seinem Depot ansehen zu können.</a:t>
             </a:r>
           </a:p>
         </p:txBody>
@@ -3368,7 +4372,7 @@
     </p:spTree>
     <p:extLst>
       <p:ext uri="{BB962C8B-B14F-4D97-AF65-F5344CB8AC3E}">
-        <p14:creationId xmlns:p14="http://schemas.microsoft.com/office/powerpoint/2010/main" val="619945716"/>
+        <p14:creationId xmlns:p14="http://schemas.microsoft.com/office/powerpoint/2010/main" val="3791946627"/>
       </p:ext>
     </p:extLst>
   </p:cSld>
@@ -3412,23 +4416,63 @@
           </a:xfrm>
         </p:spPr>
         <p:txBody>
-          <a:bodyPr anchor="ctr"/>
-          <a:lstStyle/>
-          <a:p>
-            <a:pPr marL="0" indent="0" algn="ctr">
+          <a:bodyPr anchor="t"/>
+          <a:lstStyle/>
+          <a:p>
+            <a:pPr marL="0" indent="0">
               <a:buNone/>
               <a:defRPr/>
             </a:pPr>
             <a:r>
+              <a:rPr lang="de-DE" b="1" dirty="0">
+                <a:solidFill>
+                  <a:srgbClr val="00B050"/>
+                </a:solidFill>
+              </a:rPr>
+              <a:t>User Story 1</a:t>
+            </a:r>
+            <a:r>
               <a:rPr lang="de-DE" b="1" dirty="0"/>
-              <a:t>Epic 2: Posten ansehen</a:t>
-            </a:r>
-            <a:br>
-              <a:rPr lang="de-DE" b="1" dirty="0"/>
-            </a:br>
+              <a:t>: Als Kunde möchte ich im Banksystem mein Depotkonto einloggen können, um die Posten im Konto zu checken.</a:t>
+            </a:r>
+          </a:p>
+          <a:p>
+            <a:pPr marL="0" indent="0">
+              <a:buNone/>
+              <a:defRPr/>
+            </a:pPr>
+            <a:endParaRPr lang="de-DE" b="1" dirty="0"/>
+          </a:p>
+          <a:p>
+            <a:pPr marL="0" indent="0">
+              <a:buNone/>
+              <a:defRPr/>
+            </a:pPr>
+            <a:r>
+              <a:rPr lang="de-DE" u="sng" dirty="0"/>
+              <a:t>Akzeptanzkriterium</a:t>
+            </a:r>
             <a:r>
               <a:rPr lang="de-DE" dirty="0"/>
-              <a:t>Das System muss dem Kunden die Möglichkeit geben, die Posten in seinem Depot ansehen zu können.</a:t>
+              <a:t>: </a:t>
+            </a:r>
+          </a:p>
+          <a:p>
+            <a:pPr>
+              <a:defRPr/>
+            </a:pPr>
+            <a:r>
+              <a:rPr lang="de-DE" dirty="0"/>
+              <a:t>Der Kunde muss seines Password eingeben.</a:t>
+            </a:r>
+          </a:p>
+          <a:p>
+            <a:pPr>
+              <a:defRPr/>
+            </a:pPr>
+            <a:r>
+              <a:rPr lang="de-DE" dirty="0"/>
+              <a:t>Wenn das Password mit dem Datenbank übereinstimmt, wird der Kunde eingeloggt sein.</a:t>
             </a:r>
           </a:p>
         </p:txBody>
@@ -3462,7 +4506,7 @@
     </p:spTree>
     <p:extLst>
       <p:ext uri="{BB962C8B-B14F-4D97-AF65-F5344CB8AC3E}">
-        <p14:creationId xmlns:p14="http://schemas.microsoft.com/office/powerpoint/2010/main" val="3791946627"/>
+        <p14:creationId xmlns:p14="http://schemas.microsoft.com/office/powerpoint/2010/main" val="1341129726"/>
       </p:ext>
     </p:extLst>
   </p:cSld>

--- a/architecture/Vorlage_Praesentation_2022 _2_2_OOD.pptx
+++ b/architecture/Vorlage_Praesentation_2022 _2_2_OOD.pptx
@@ -3111,29 +3111,41 @@
           <a:chExt cx="0" cy="0"/>
         </a:xfrm>
       </p:grpSpPr>
-      <p:sp>
-        <p:nvSpPr>
-          <p:cNvPr id="5" name="Inhaltsplatzhalter 4"/>
-          <p:cNvSpPr>
-            <a:spLocks noGrp="1"/>
-          </p:cNvSpPr>
+      <p:pic>
+        <p:nvPicPr>
+          <p:cNvPr id="6" name="Content Placeholder 5">
+            <a:extLst>
+              <a:ext uri="{FF2B5EF4-FFF2-40B4-BE49-F238E27FC236}">
+                <a16:creationId xmlns:a16="http://schemas.microsoft.com/office/drawing/2014/main" id="{26CD402B-56E8-B79C-4DF5-408BF821B8C9}"/>
+              </a:ext>
+            </a:extLst>
+          </p:cNvPr>
+          <p:cNvPicPr>
+            <a:picLocks noGrp="1" noChangeAspect="1"/>
+          </p:cNvPicPr>
           <p:nvPr>
             <p:ph idx="1"/>
           </p:nvPr>
-        </p:nvSpPr>
-        <p:spPr bwMode="auto"/>
-        <p:txBody>
-          <a:bodyPr anchor="ctr"/>
-          <a:lstStyle/>
-          <a:p>
-            <a:pPr marL="0" indent="0" algn="ctr">
-              <a:buNone/>
-              <a:defRPr/>
-            </a:pPr>
-            <a:endParaRPr dirty="0"/>
-          </a:p>
-        </p:txBody>
-      </p:sp>
+        </p:nvPicPr>
+        <p:blipFill>
+          <a:blip r:embed="rId2">
+            <a:extLst>
+              <a:ext uri="{28A0092B-C50C-407E-A947-70E740481C1C}">
+                <a14:useLocalDpi xmlns:a14="http://schemas.microsoft.com/office/drawing/2010/main" val="0"/>
+              </a:ext>
+            </a:extLst>
+          </a:blip>
+          <a:stretch>
+            <a:fillRect/>
+          </a:stretch>
+        </p:blipFill>
+        <p:spPr bwMode="auto">
+          <a:xfrm>
+            <a:off x="1195042" y="1201316"/>
+            <a:ext cx="7769916" cy="3952684"/>
+          </a:xfrm>
+        </p:spPr>
+      </p:pic>
       <p:sp>
         <p:nvSpPr>
           <p:cNvPr id="4" name="Titel 3"/>
@@ -3160,42 +3172,6 @@
           </a:p>
         </p:txBody>
       </p:sp>
-      <p:pic>
-        <p:nvPicPr>
-          <p:cNvPr id="2" name="Picture 1">
-            <a:extLst>
-              <a:ext uri="{FF2B5EF4-FFF2-40B4-BE49-F238E27FC236}">
-                <a16:creationId xmlns:a16="http://schemas.microsoft.com/office/drawing/2014/main" id="{D3FCA575-EE8B-3BAE-20EA-C66128B27033}"/>
-              </a:ext>
-            </a:extLst>
-          </p:cNvPr>
-          <p:cNvPicPr>
-            <a:picLocks noChangeAspect="1"/>
-          </p:cNvPicPr>
-          <p:nvPr/>
-        </p:nvPicPr>
-        <p:blipFill>
-          <a:blip r:embed="rId2">
-            <a:extLst>
-              <a:ext uri="{28A0092B-C50C-407E-A947-70E740481C1C}">
-                <a14:useLocalDpi xmlns:a14="http://schemas.microsoft.com/office/drawing/2010/main" val="0"/>
-              </a:ext>
-            </a:extLst>
-          </a:blip>
-          <a:stretch>
-            <a:fillRect/>
-          </a:stretch>
-        </p:blipFill>
-        <p:spPr bwMode="auto">
-          <a:xfrm>
-            <a:off x="1169311" y="1313380"/>
-            <a:ext cx="7530342" cy="3960491"/>
-          </a:xfrm>
-          <a:prstGeom prst="rect">
-            <a:avLst/>
-          </a:prstGeom>
-        </p:spPr>
-      </p:pic>
     </p:spTree>
   </p:cSld>
   <p:clrMapOvr>
@@ -3221,54 +3197,41 @@
           <a:chExt cx="0" cy="0"/>
         </a:xfrm>
       </p:grpSpPr>
-      <p:sp>
-        <p:nvSpPr>
-          <p:cNvPr id="5" name="Inhaltsplatzhalter 4"/>
-          <p:cNvSpPr>
-            <a:spLocks noGrp="1"/>
-          </p:cNvSpPr>
+      <p:pic>
+        <p:nvPicPr>
+          <p:cNvPr id="3" name="Content Placeholder 2">
+            <a:extLst>
+              <a:ext uri="{FF2B5EF4-FFF2-40B4-BE49-F238E27FC236}">
+                <a16:creationId xmlns:a16="http://schemas.microsoft.com/office/drawing/2014/main" id="{45336CE5-1370-BCF8-46B6-3F62A16F3C80}"/>
+              </a:ext>
+            </a:extLst>
+          </p:cNvPr>
+          <p:cNvPicPr>
+            <a:picLocks noGrp="1" noChangeAspect="1"/>
+          </p:cNvPicPr>
           <p:nvPr>
             <p:ph idx="1"/>
           </p:nvPr>
-        </p:nvSpPr>
-        <p:spPr bwMode="auto"/>
-        <p:txBody>
-          <a:bodyPr anchor="ctr"/>
-          <a:lstStyle/>
-          <a:p>
-            <a:pPr marL="0" indent="0" algn="ctr">
-              <a:buNone/>
-              <a:defRPr/>
-            </a:pPr>
-            <a:r>
-              <a:rPr lang="de-DE">
-                <a:solidFill>
-                  <a:srgbClr val="FF0000"/>
-                </a:solidFill>
-              </a:rPr>
-              <a:t>Beschreiben sie hier mit einem UML Komponentendiagramm bzw. Kompositionsstrukturdiagramm wie das System fachlich in die Komponenten zerlegt wird. Berücksichtigen sie dabei den Zusammenhang zur Grobarchitektur!</a:t>
-            </a:r>
-          </a:p>
-          <a:p>
-            <a:pPr marL="0" indent="0" algn="ctr">
-              <a:buNone/>
-              <a:defRPr/>
-            </a:pPr>
-            <a:r>
-              <a:rPr lang="de-DE" sz="2000" b="0" i="0" u="none" strike="noStrike" cap="none" spc="0">
-                <a:solidFill>
-                  <a:srgbClr val="FF0000"/>
-                </a:solidFill>
-                <a:latin typeface="Arial Unicode MS"/>
-                <a:ea typeface="Arial Unicode MS"/>
-                <a:cs typeface="Arial Unicode MS"/>
-              </a:rPr>
-              <a:t>Berücksichtigen sie hierbei auch die Beschreibung der Schnittstellen!</a:t>
-            </a:r>
-            <a:endParaRPr/>
-          </a:p>
-        </p:txBody>
-      </p:sp>
+        </p:nvPicPr>
+        <p:blipFill>
+          <a:blip r:embed="rId2" cstate="print">
+            <a:extLst>
+              <a:ext uri="{28A0092B-C50C-407E-A947-70E740481C1C}">
+                <a14:useLocalDpi xmlns:a14="http://schemas.microsoft.com/office/drawing/2010/main" val="0"/>
+              </a:ext>
+            </a:extLst>
+          </a:blip>
+          <a:stretch>
+            <a:fillRect/>
+          </a:stretch>
+        </p:blipFill>
+        <p:spPr bwMode="auto">
+          <a:xfrm>
+            <a:off x="2839817" y="1280681"/>
+            <a:ext cx="4480365" cy="4071790"/>
+          </a:xfrm>
+        </p:spPr>
+      </p:pic>
       <p:sp>
         <p:nvSpPr>
           <p:cNvPr id="4" name="Titel 3"/>
@@ -3346,35 +3309,7 @@
               <a:buNone/>
               <a:defRPr/>
             </a:pPr>
-            <a:r>
-              <a:rPr lang="de-DE" sz="2000" b="0" i="0" u="none" strike="noStrike" cap="none" spc="0">
-                <a:solidFill>
-                  <a:srgbClr val="FF0000"/>
-                </a:solidFill>
-                <a:latin typeface="Arial Unicode MS"/>
-                <a:ea typeface="Arial Unicode MS"/>
-                <a:cs typeface="Arial Unicode MS"/>
-              </a:rPr>
-              <a:t>Beschreiben sie hier mit einem UML Komponentendiagramm bzw. Kompositionsstrukturdiagramm wie eine ausgewählte Komponente aus der oberen fachlichen Architekturebene weiter in Unterkomponenten zerlegt wird. </a:t>
-            </a:r>
-          </a:p>
-          <a:p>
-            <a:pPr marL="0" indent="0" algn="ctr">
-              <a:buNone/>
-              <a:defRPr/>
-            </a:pPr>
-            <a:r>
-              <a:rPr lang="de-DE" sz="2000" b="0" i="0" u="none" strike="noStrike" cap="none" spc="0">
-                <a:solidFill>
-                  <a:srgbClr val="FF0000"/>
-                </a:solidFill>
-                <a:latin typeface="Arial Unicode MS"/>
-                <a:ea typeface="Arial Unicode MS"/>
-                <a:cs typeface="Arial Unicode MS"/>
-              </a:rPr>
-              <a:t>Berücksichtigen sie hierbei auch die Beschreibung der Schnittstellen!</a:t>
-            </a:r>
-            <a:endParaRPr/>
+            <a:endParaRPr dirty="0"/>
           </a:p>
         </p:txBody>
       </p:sp>
@@ -3397,20 +3332,64 @@
               <a:defRPr/>
             </a:pPr>
             <a:r>
-              <a:rPr lang="de-DE"/>
-              <a:t>Fachliche Architekturebene: Structural View</a:t>
+              <a:rPr lang="de-DE" dirty="0"/>
+              <a:t>Fachliche Architekturebene: </a:t>
+            </a:r>
+            <a:r>
+              <a:rPr lang="de-DE" dirty="0" err="1"/>
+              <a:t>Structural</a:t>
+            </a:r>
+            <a:r>
+              <a:rPr lang="de-DE" dirty="0"/>
+              <a:t> View</a:t>
             </a:r>
             <a:br>
-              <a:rPr lang="de-DE"/>
+              <a:rPr lang="de-DE" dirty="0"/>
             </a:br>
             <a:r>
-              <a:rPr lang="de-DE" sz="2000"/>
-              <a:t>Komponente XY</a:t>
-            </a:r>
-            <a:endParaRPr lang="de-DE"/>
-          </a:p>
-        </p:txBody>
-      </p:sp>
+              <a:rPr lang="de-DE" sz="2000" dirty="0"/>
+              <a:t>Komponente Model</a:t>
+            </a:r>
+            <a:endParaRPr lang="de-DE" dirty="0"/>
+          </a:p>
+        </p:txBody>
+      </p:sp>
+      <p:pic>
+        <p:nvPicPr>
+          <p:cNvPr id="3" name="Picture 2">
+            <a:extLst>
+              <a:ext uri="{FF2B5EF4-FFF2-40B4-BE49-F238E27FC236}">
+                <a16:creationId xmlns:a16="http://schemas.microsoft.com/office/drawing/2014/main" id="{85AE6964-61FA-8620-9EF9-0A1BFB7048BC}"/>
+              </a:ext>
+            </a:extLst>
+          </p:cNvPr>
+          <p:cNvPicPr>
+            <a:picLocks noChangeAspect="1"/>
+          </p:cNvPicPr>
+          <p:nvPr/>
+        </p:nvPicPr>
+        <p:blipFill>
+          <a:blip r:embed="rId2" cstate="print">
+            <a:extLst>
+              <a:ext uri="{28A0092B-C50C-407E-A947-70E740481C1C}">
+                <a14:useLocalDpi xmlns:a14="http://schemas.microsoft.com/office/drawing/2010/main" val="0"/>
+              </a:ext>
+            </a:extLst>
+          </a:blip>
+          <a:stretch>
+            <a:fillRect/>
+          </a:stretch>
+        </p:blipFill>
+        <p:spPr>
+          <a:xfrm>
+            <a:off x="1551608" y="1489348"/>
+            <a:ext cx="6197158" cy="3719100"/>
+          </a:xfrm>
+          <a:prstGeom prst="rect">
+            <a:avLst/>
+          </a:prstGeom>
+        </p:spPr>
+      </p:pic>
     </p:spTree>
   </p:cSld>
   <p:clrMapOvr>
@@ -3455,17 +3434,17 @@
               <a:defRPr/>
             </a:pPr>
             <a:r>
-              <a:rPr lang="de-DE"/>
+              <a:rPr lang="de-DE" dirty="0"/>
               <a:t>Fachliche Architekturebene: Behavioral View</a:t>
             </a:r>
             <a:br>
-              <a:rPr lang="de-DE"/>
+              <a:rPr lang="de-DE" dirty="0"/>
             </a:br>
             <a:r>
-              <a:rPr lang="de-DE" sz="2000"/>
-              <a:t>Sequenzdiagramm für User-Story XYZ</a:t>
-            </a:r>
-            <a:endParaRPr lang="de-DE"/>
+              <a:rPr lang="de-DE" sz="2000" dirty="0"/>
+              <a:t>Sequenzdiagramm für Epic 1: Depotkonto eröffnen</a:t>
+            </a:r>
+            <a:endParaRPr lang="de-DE" dirty="0"/>
           </a:p>
         </p:txBody>
       </p:sp>
@@ -3493,47 +3472,46 @@
               <a:buNone/>
               <a:defRPr/>
             </a:pPr>
-            <a:r>
-              <a:rPr lang="de-DE">
-                <a:solidFill>
-                  <a:srgbClr val="FF0000"/>
-                </a:solidFill>
-              </a:rPr>
-              <a:t>Fügen Sie bitte Ihr Sequenzdiagram ein.</a:t>
-            </a:r>
-            <a:endParaRPr/>
-          </a:p>
-          <a:p>
-            <a:pPr marL="0" indent="0" algn="ctr">
-              <a:buNone/>
-              <a:defRPr/>
-            </a:pPr>
-            <a:r>
-              <a:rPr lang="de-DE">
-                <a:solidFill>
-                  <a:srgbClr val="FF0000"/>
-                </a:solidFill>
-              </a:rPr>
-              <a:t>(Entsprechend zu der User-Story (Use Case), der vorher ausgewählt wurde!)</a:t>
-            </a:r>
-          </a:p>
-          <a:p>
-            <a:pPr marL="0" indent="0" algn="ctr">
-              <a:buNone/>
-              <a:defRPr/>
-            </a:pPr>
-            <a:r>
-              <a:rPr lang="de-DE">
-                <a:solidFill>
-                  <a:srgbClr val="FF0000"/>
-                </a:solidFill>
-              </a:rPr>
-              <a:t>Beachte: Die Teilnehmer in dem Sequenzdiagramm müssen konsistent mit der fachlichen Architektur sein!</a:t>
-            </a:r>
-            <a:endParaRPr/>
-          </a:p>
-        </p:txBody>
-      </p:sp>
+            <a:endParaRPr dirty="0"/>
+          </a:p>
+        </p:txBody>
+      </p:sp>
+      <p:pic>
+        <p:nvPicPr>
+          <p:cNvPr id="5" name="Picture 4">
+            <a:extLst>
+              <a:ext uri="{FF2B5EF4-FFF2-40B4-BE49-F238E27FC236}">
+                <a16:creationId xmlns:a16="http://schemas.microsoft.com/office/drawing/2014/main" id="{78F5D28D-FE26-0EE3-F61C-831A47BCC601}"/>
+              </a:ext>
+            </a:extLst>
+          </p:cNvPr>
+          <p:cNvPicPr>
+            <a:picLocks noChangeAspect="1"/>
+          </p:cNvPicPr>
+          <p:nvPr/>
+        </p:nvPicPr>
+        <p:blipFill>
+          <a:blip r:embed="rId2" cstate="print">
+            <a:extLst>
+              <a:ext uri="{28A0092B-C50C-407E-A947-70E740481C1C}">
+                <a14:useLocalDpi xmlns:a14="http://schemas.microsoft.com/office/drawing/2010/main" val="0"/>
+              </a:ext>
+            </a:extLst>
+          </a:blip>
+          <a:stretch>
+            <a:fillRect/>
+          </a:stretch>
+        </p:blipFill>
+        <p:spPr>
+          <a:xfrm>
+            <a:off x="2534367" y="1459248"/>
+            <a:ext cx="5091265" cy="3762038"/>
+          </a:xfrm>
+          <a:prstGeom prst="rect">
+            <a:avLst/>
+          </a:prstGeom>
+        </p:spPr>
+      </p:pic>
     </p:spTree>
   </p:cSld>
   <p:clrMapOvr>
@@ -3543,7 +3521,7 @@
 </file>
 
 <file path=ppt/slides/slide2.xml><?xml version="1.0" encoding="utf-8"?>
-<p:sld xmlns:a="http://schemas.openxmlformats.org/drawingml/2006/main" xmlns:r="http://schemas.openxmlformats.org/officeDocument/2006/relationships" xmlns:p="http://schemas.openxmlformats.org/presentationml/2006/main" showMasterPhAnim="0" show="0">
+<p:sld xmlns:a="http://schemas.openxmlformats.org/drawingml/2006/main" xmlns:r="http://schemas.openxmlformats.org/officeDocument/2006/relationships" xmlns:p="http://schemas.openxmlformats.org/presentationml/2006/main" showMasterPhAnim="0">
   <p:cSld>
     <p:spTree>
       <p:nvGrpSpPr>
